--- a/Overview of Automotive security .pptx
+++ b/Overview of Automotive security .pptx
@@ -5,7 +5,7 @@
     <p:sldMasterId id="2147483660" r:id="rId1"/>
   </p:sldMasterIdLst>
   <p:notesMasterIdLst>
-    <p:notesMasterId r:id="rId34"/>
+    <p:notesMasterId r:id="rId38"/>
   </p:notesMasterIdLst>
   <p:sldIdLst>
     <p:sldId id="264" r:id="rId2"/>
@@ -24,22 +24,26 @@
     <p:sldId id="296" r:id="rId15"/>
     <p:sldId id="300" r:id="rId16"/>
     <p:sldId id="301" r:id="rId17"/>
-    <p:sldId id="302" r:id="rId18"/>
-    <p:sldId id="303" r:id="rId19"/>
-    <p:sldId id="304" r:id="rId20"/>
+    <p:sldId id="303" r:id="rId18"/>
+    <p:sldId id="327" r:id="rId19"/>
+    <p:sldId id="302" r:id="rId20"/>
     <p:sldId id="305" r:id="rId21"/>
-    <p:sldId id="306" r:id="rId22"/>
-    <p:sldId id="307" r:id="rId23"/>
-    <p:sldId id="308" r:id="rId24"/>
-    <p:sldId id="309" r:id="rId25"/>
-    <p:sldId id="310" r:id="rId26"/>
-    <p:sldId id="311" r:id="rId27"/>
-    <p:sldId id="312" r:id="rId28"/>
-    <p:sldId id="313" r:id="rId29"/>
-    <p:sldId id="314" r:id="rId30"/>
-    <p:sldId id="322" r:id="rId31"/>
-    <p:sldId id="315" r:id="rId32"/>
-    <p:sldId id="294" r:id="rId33"/>
+    <p:sldId id="304" r:id="rId22"/>
+    <p:sldId id="306" r:id="rId23"/>
+    <p:sldId id="326" r:id="rId24"/>
+    <p:sldId id="307" r:id="rId25"/>
+    <p:sldId id="308" r:id="rId26"/>
+    <p:sldId id="309" r:id="rId27"/>
+    <p:sldId id="310" r:id="rId28"/>
+    <p:sldId id="311" r:id="rId29"/>
+    <p:sldId id="312" r:id="rId30"/>
+    <p:sldId id="313" r:id="rId31"/>
+    <p:sldId id="314" r:id="rId32"/>
+    <p:sldId id="322" r:id="rId33"/>
+    <p:sldId id="328" r:id="rId34"/>
+    <p:sldId id="315" r:id="rId35"/>
+    <p:sldId id="294" r:id="rId36"/>
+    <p:sldId id="329" r:id="rId37"/>
   </p:sldIdLst>
   <p:sldSz cx="12192000" cy="6858000"/>
   <p:notesSz cx="6858000" cy="9144000"/>
@@ -1213,7 +1217,7 @@
           <a:p>
             <a:fld id="{46F2442C-D091-412B-9CF4-71BF170136AD}" type="datetimeFigureOut">
               <a:rPr lang="en-IN" smtClean="0"/>
-              <a:t>09-07-2022</a:t>
+              <a:t>16-07-2022</a:t>
             </a:fld>
             <a:endParaRPr lang="en-IN"/>
           </a:p>
@@ -2022,7 +2026,7 @@
           <a:p>
             <a:fld id="{4B36E406-58CB-4AA3-8282-7BB0E56BC61D}" type="datetimeFigureOut">
               <a:rPr lang="en-IN" smtClean="0"/>
-              <a:t>09-07-2022</a:t>
+              <a:t>16-07-2022</a:t>
             </a:fld>
             <a:endParaRPr lang="en-IN"/>
           </a:p>
@@ -2357,7 +2361,7 @@
           <a:p>
             <a:fld id="{4B36E406-58CB-4AA3-8282-7BB0E56BC61D}" type="datetimeFigureOut">
               <a:rPr lang="en-IN" smtClean="0"/>
-              <a:t>09-07-2022</a:t>
+              <a:t>16-07-2022</a:t>
             </a:fld>
             <a:endParaRPr lang="en-IN"/>
           </a:p>
@@ -2660,7 +2664,7 @@
           <a:p>
             <a:fld id="{4B36E406-58CB-4AA3-8282-7BB0E56BC61D}" type="datetimeFigureOut">
               <a:rPr lang="en-IN" smtClean="0"/>
-              <a:t>09-07-2022</a:t>
+              <a:t>16-07-2022</a:t>
             </a:fld>
             <a:endParaRPr lang="en-IN"/>
           </a:p>
@@ -2908,7 +2912,7 @@
           <a:p>
             <a:fld id="{4B36E406-58CB-4AA3-8282-7BB0E56BC61D}" type="datetimeFigureOut">
               <a:rPr lang="en-IN" smtClean="0"/>
-              <a:t>09-07-2022</a:t>
+              <a:t>16-07-2022</a:t>
             </a:fld>
             <a:endParaRPr lang="en-IN"/>
           </a:p>
@@ -3316,7 +3320,7 @@
           <a:p>
             <a:fld id="{4B36E406-58CB-4AA3-8282-7BB0E56BC61D}" type="datetimeFigureOut">
               <a:rPr lang="en-IN" smtClean="0"/>
-              <a:t>09-07-2022</a:t>
+              <a:t>16-07-2022</a:t>
             </a:fld>
             <a:endParaRPr lang="en-IN"/>
           </a:p>
@@ -3631,7 +3635,7 @@
           <a:p>
             <a:fld id="{4B36E406-58CB-4AA3-8282-7BB0E56BC61D}" type="datetimeFigureOut">
               <a:rPr lang="en-IN" smtClean="0"/>
-              <a:t>09-07-2022</a:t>
+              <a:t>16-07-2022</a:t>
             </a:fld>
             <a:endParaRPr lang="en-IN"/>
           </a:p>
@@ -4176,7 +4180,7 @@
           <a:p>
             <a:fld id="{4B36E406-58CB-4AA3-8282-7BB0E56BC61D}" type="datetimeFigureOut">
               <a:rPr lang="en-IN" smtClean="0"/>
-              <a:t>09-07-2022</a:t>
+              <a:t>16-07-2022</a:t>
             </a:fld>
             <a:endParaRPr lang="en-IN"/>
           </a:p>
@@ -4372,7 +4376,7 @@
           <a:p>
             <a:fld id="{4B36E406-58CB-4AA3-8282-7BB0E56BC61D}" type="datetimeFigureOut">
               <a:rPr lang="en-IN" smtClean="0"/>
-              <a:t>09-07-2022</a:t>
+              <a:t>16-07-2022</a:t>
             </a:fld>
             <a:endParaRPr lang="en-IN"/>
           </a:p>
@@ -4586,7 +4590,7 @@
           <a:p>
             <a:fld id="{4B36E406-58CB-4AA3-8282-7BB0E56BC61D}" type="datetimeFigureOut">
               <a:rPr lang="en-IN" smtClean="0"/>
-              <a:t>09-07-2022</a:t>
+              <a:t>16-07-2022</a:t>
             </a:fld>
             <a:endParaRPr lang="en-IN"/>
           </a:p>
@@ -4956,7 +4960,7 @@
           <a:p>
             <a:fld id="{4B36E406-58CB-4AA3-8282-7BB0E56BC61D}" type="datetimeFigureOut">
               <a:rPr lang="en-IN" smtClean="0"/>
-              <a:t>09-07-2022</a:t>
+              <a:t>16-07-2022</a:t>
             </a:fld>
             <a:endParaRPr lang="en-IN"/>
           </a:p>
@@ -5360,7 +5364,7 @@
           <a:p>
             <a:fld id="{4B36E406-58CB-4AA3-8282-7BB0E56BC61D}" type="datetimeFigureOut">
               <a:rPr lang="en-IN" smtClean="0"/>
-              <a:t>09-07-2022</a:t>
+              <a:t>16-07-2022</a:t>
             </a:fld>
             <a:endParaRPr lang="en-IN"/>
           </a:p>
@@ -5672,7 +5676,7 @@
           <a:p>
             <a:fld id="{4B36E406-58CB-4AA3-8282-7BB0E56BC61D}" type="datetimeFigureOut">
               <a:rPr lang="en-IN" smtClean="0"/>
-              <a:t>09-07-2022</a:t>
+              <a:t>16-07-2022</a:t>
             </a:fld>
             <a:endParaRPr lang="en-IN"/>
           </a:p>
@@ -7612,210 +7616,6 @@
           <a:chExt cx="0" cy="0"/>
         </a:xfrm>
       </p:grpSpPr>
-      <p:pic>
-        <p:nvPicPr>
-          <p:cNvPr id="2" name="Picture 1" descr="Text, logo&#10;&#10;Description automatically generated">
-            <a:extLst>
-              <a:ext uri="{FF2B5EF4-FFF2-40B4-BE49-F238E27FC236}">
-                <a16:creationId xmlns:a16="http://schemas.microsoft.com/office/drawing/2014/main" id="{3261532F-5735-2185-9FC9-B5CF9B01F24E}"/>
-              </a:ext>
-            </a:extLst>
-          </p:cNvPr>
-          <p:cNvPicPr>
-            <a:picLocks noChangeAspect="1"/>
-          </p:cNvPicPr>
-          <p:nvPr/>
-        </p:nvPicPr>
-        <p:blipFill>
-          <a:blip r:embed="rId2">
-            <a:alphaModFix amt="5000"/>
-          </a:blip>
-          <a:stretch>
-            <a:fillRect/>
-          </a:stretch>
-        </p:blipFill>
-        <p:spPr>
-          <a:xfrm rot="20023087">
-            <a:off x="1269151" y="2031025"/>
-            <a:ext cx="10370342" cy="2125369"/>
-          </a:xfrm>
-          <a:prstGeom prst="rect">
-            <a:avLst/>
-          </a:prstGeom>
-          <a:ln>
-            <a:noFill/>
-          </a:ln>
-          <a:effectLst>
-            <a:softEdge rad="112500"/>
-          </a:effectLst>
-        </p:spPr>
-      </p:pic>
-      <p:sp>
-        <p:nvSpPr>
-          <p:cNvPr id="4" name="TextBox 3">
-            <a:extLst>
-              <a:ext uri="{FF2B5EF4-FFF2-40B4-BE49-F238E27FC236}">
-                <a16:creationId xmlns:a16="http://schemas.microsoft.com/office/drawing/2014/main" id="{DCFAC96C-DC71-DEB3-B185-DA6C0388061A}"/>
-              </a:ext>
-            </a:extLst>
-          </p:cNvPr>
-          <p:cNvSpPr txBox="1"/>
-          <p:nvPr/>
-        </p:nvSpPr>
-        <p:spPr>
-          <a:xfrm>
-            <a:off x="1537283" y="1471996"/>
-            <a:ext cx="6094602" cy="3693319"/>
-          </a:xfrm>
-          <a:prstGeom prst="rect">
-            <a:avLst/>
-          </a:prstGeom>
-          <a:noFill/>
-        </p:spPr>
-        <p:txBody>
-          <a:bodyPr wrap="square">
-            <a:spAutoFit/>
-          </a:bodyPr>
-          <a:lstStyle/>
-          <a:p>
-            <a:r>
-              <a:rPr lang="en-IN" sz="1800" dirty="0"/>
-              <a:t>AES </a:t>
-            </a:r>
-            <a:endParaRPr lang="en-IN" dirty="0"/>
-          </a:p>
-          <a:p>
-            <a:endParaRPr lang="en-IN" sz="1800" dirty="0"/>
-          </a:p>
-          <a:p>
-            <a:r>
-              <a:rPr lang="en-IN" sz="1800" dirty="0"/>
-              <a:t> </a:t>
-            </a:r>
-          </a:p>
-          <a:p>
-            <a:endParaRPr lang="en-IN" dirty="0"/>
-          </a:p>
-          <a:p>
-            <a:r>
-              <a:rPr lang="en-IN" sz="1800" dirty="0"/>
-              <a:t>ECB </a:t>
-            </a:r>
-          </a:p>
-          <a:p>
-            <a:endParaRPr lang="en-IN" dirty="0"/>
-          </a:p>
-          <a:p>
-            <a:endParaRPr lang="en-IN" sz="1800" dirty="0"/>
-          </a:p>
-          <a:p>
-            <a:endParaRPr lang="en-IN" dirty="0"/>
-          </a:p>
-          <a:p>
-            <a:r>
-              <a:rPr lang="en-IN" sz="1800" dirty="0"/>
-              <a:t>CBC mode</a:t>
-            </a:r>
-          </a:p>
-          <a:p>
-            <a:endParaRPr lang="en-IN" dirty="0"/>
-          </a:p>
-          <a:p>
-            <a:br>
-              <a:rPr lang="en-IN" sz="1800" dirty="0"/>
-            </a:br>
-            <a:r>
-              <a:rPr lang="en-IN" sz="1800" dirty="0"/>
-              <a:t>		</a:t>
-            </a:r>
-          </a:p>
-          <a:p>
-            <a:r>
-              <a:rPr lang="en-IN" sz="1800" dirty="0"/>
-              <a:t> RSA</a:t>
-            </a:r>
-          </a:p>
-        </p:txBody>
-      </p:sp>
-      <p:sp>
-        <p:nvSpPr>
-          <p:cNvPr id="5" name="TextBox 4">
-            <a:extLst>
-              <a:ext uri="{FF2B5EF4-FFF2-40B4-BE49-F238E27FC236}">
-                <a16:creationId xmlns:a16="http://schemas.microsoft.com/office/drawing/2014/main" id="{A889018D-72FD-F3B4-956C-EEC9777E4783}"/>
-              </a:ext>
-            </a:extLst>
-          </p:cNvPr>
-          <p:cNvSpPr txBox="1"/>
-          <p:nvPr/>
-        </p:nvSpPr>
-        <p:spPr>
-          <a:xfrm>
-            <a:off x="1122793" y="348734"/>
-            <a:ext cx="8639175" cy="646331"/>
-          </a:xfrm>
-          <a:prstGeom prst="rect">
-            <a:avLst/>
-          </a:prstGeom>
-          <a:noFill/>
-        </p:spPr>
-        <p:txBody>
-          <a:bodyPr wrap="square">
-            <a:spAutoFit/>
-          </a:bodyPr>
-          <a:lstStyle>
-            <a:defPPr>
-              <a:defRPr lang="en-US"/>
-            </a:defPPr>
-            <a:lvl1pPr>
-              <a:defRPr b="1"/>
-            </a:lvl1pPr>
-          </a:lstStyle>
-          <a:p>
-            <a:r>
-              <a:rPr lang="en-IN" dirty="0"/>
-              <a:t>Symmetric and Asymmetric algorithms</a:t>
-            </a:r>
-            <a:br>
-              <a:rPr lang="en-IN" dirty="0"/>
-            </a:br>
-            <a:r>
-              <a:rPr lang="en-IN" dirty="0"/>
-              <a:t> </a:t>
-            </a:r>
-          </a:p>
-        </p:txBody>
-      </p:sp>
-    </p:spTree>
-    <p:extLst>
-      <p:ext uri="{BB962C8B-B14F-4D97-AF65-F5344CB8AC3E}">
-        <p14:creationId xmlns:p14="http://schemas.microsoft.com/office/powerpoint/2010/main" val="223542196"/>
-      </p:ext>
-    </p:extLst>
-  </p:cSld>
-  <p:clrMapOvr>
-    <a:masterClrMapping/>
-  </p:clrMapOvr>
-</p:sld>
-</file>
-
-<file path=ppt/slides/slide18.xml><?xml version="1.0" encoding="utf-8"?>
-<p:sld xmlns:a="http://schemas.openxmlformats.org/drawingml/2006/main" xmlns:r="http://schemas.openxmlformats.org/officeDocument/2006/relationships" xmlns:p="http://schemas.openxmlformats.org/presentationml/2006/main">
-  <p:cSld>
-    <p:spTree>
-      <p:nvGrpSpPr>
-        <p:cNvPr id="1" name=""/>
-        <p:cNvGrpSpPr/>
-        <p:nvPr/>
-      </p:nvGrpSpPr>
-      <p:grpSpPr>
-        <a:xfrm>
-          <a:off x="0" y="0"/>
-          <a:ext cx="0" cy="0"/>
-          <a:chOff x="0" y="0"/>
-          <a:chExt cx="0" cy="0"/>
-        </a:xfrm>
-      </p:grpSpPr>
       <p:sp>
         <p:nvSpPr>
           <p:cNvPr id="3" name="TextBox 2">
@@ -7830,7 +7630,7 @@
         </p:nvSpPr>
         <p:spPr>
           <a:xfrm>
-            <a:off x="4439873" y="2675980"/>
+            <a:off x="900260" y="0"/>
             <a:ext cx="6094602" cy="646331"/>
           </a:xfrm>
           <a:prstGeom prst="rect">
@@ -7875,7 +7675,7 @@
         </p:blipFill>
         <p:spPr>
           <a:xfrm rot="20023087">
-            <a:off x="1269151" y="2031025"/>
+            <a:off x="552508" y="1853501"/>
             <a:ext cx="10370342" cy="2125369"/>
           </a:xfrm>
           <a:prstGeom prst="rect">
@@ -7889,10 +7689,266 @@
           </a:effectLst>
         </p:spPr>
       </p:pic>
+      <p:sp>
+        <p:nvSpPr>
+          <p:cNvPr id="5" name="TextBox 4">
+            <a:extLst>
+              <a:ext uri="{FF2B5EF4-FFF2-40B4-BE49-F238E27FC236}">
+                <a16:creationId xmlns:a16="http://schemas.microsoft.com/office/drawing/2014/main" id="{A1CBD633-2F7B-7784-517B-3C2F965AB041}"/>
+              </a:ext>
+            </a:extLst>
+          </p:cNvPr>
+          <p:cNvSpPr txBox="1"/>
+          <p:nvPr/>
+        </p:nvSpPr>
+        <p:spPr>
+          <a:xfrm>
+            <a:off x="1226385" y="978907"/>
+            <a:ext cx="9380276" cy="6463308"/>
+          </a:xfrm>
+          <a:prstGeom prst="rect">
+            <a:avLst/>
+          </a:prstGeom>
+          <a:noFill/>
+        </p:spPr>
+        <p:txBody>
+          <a:bodyPr wrap="square" rtlCol="0">
+            <a:spAutoFit/>
+          </a:bodyPr>
+          <a:lstStyle/>
+          <a:p>
+            <a:r>
+              <a:rPr lang="en-US" dirty="0"/>
+              <a:t> Refers to secure data and meets the basic criteria of security such as Confidentiality , integrity , availability  </a:t>
+            </a:r>
+          </a:p>
+          <a:p>
+            <a:endParaRPr lang="en-US" dirty="0"/>
+          </a:p>
+          <a:p>
+            <a:r>
+              <a:rPr lang="en-US" dirty="0"/>
+              <a:t>Basic terminologies of cryptography </a:t>
+            </a:r>
+            <a:br>
+              <a:rPr lang="en-US" dirty="0"/>
+            </a:br>
+            <a:br>
+              <a:rPr lang="en-US" dirty="0"/>
+            </a:br>
+            <a:br>
+              <a:rPr lang="en-US" dirty="0"/>
+            </a:br>
+            <a:r>
+              <a:rPr lang="en-US" b="1" dirty="0"/>
+              <a:t>Plain text </a:t>
+            </a:r>
+            <a:r>
+              <a:rPr lang="en-US" dirty="0"/>
+              <a:t>: Original message </a:t>
+            </a:r>
+          </a:p>
+          <a:p>
+            <a:endParaRPr lang="en-US" dirty="0"/>
+          </a:p>
+          <a:p>
+            <a:r>
+              <a:rPr lang="en-US" b="1" dirty="0"/>
+              <a:t>Cipher text </a:t>
+            </a:r>
+            <a:r>
+              <a:rPr lang="en-US" dirty="0"/>
+              <a:t>: Encoded message</a:t>
+            </a:r>
+          </a:p>
+          <a:p>
+            <a:br>
+              <a:rPr lang="en-US" dirty="0"/>
+            </a:br>
+            <a:r>
+              <a:rPr lang="en-US" b="1" dirty="0"/>
+              <a:t>Cipher</a:t>
+            </a:r>
+            <a:r>
+              <a:rPr lang="en-US" dirty="0"/>
+              <a:t> : specifies the algorithm</a:t>
+            </a:r>
+          </a:p>
+          <a:p>
+            <a:endParaRPr lang="en-US" dirty="0"/>
+          </a:p>
+          <a:p>
+            <a:r>
+              <a:rPr lang="en-US" b="1" dirty="0"/>
+              <a:t>Key</a:t>
+            </a:r>
+            <a:r>
+              <a:rPr lang="en-US" dirty="0"/>
+              <a:t> : Used in cipher to encrypt and decrypt </a:t>
+            </a:r>
+          </a:p>
+          <a:p>
+            <a:br>
+              <a:rPr lang="en-US" dirty="0"/>
+            </a:br>
+            <a:r>
+              <a:rPr lang="en-US" b="1" dirty="0"/>
+              <a:t>Encrypt</a:t>
+            </a:r>
+            <a:r>
+              <a:rPr lang="en-US" dirty="0"/>
+              <a:t>: Process of converting original message (Plain text) to Encoded message (ciphertext) using cipher and key </a:t>
+            </a:r>
+          </a:p>
+          <a:p>
+            <a:endParaRPr lang="en-US" dirty="0"/>
+          </a:p>
+          <a:p>
+            <a:r>
+              <a:rPr lang="en-US" b="1" dirty="0"/>
+              <a:t>Decrypt</a:t>
+            </a:r>
+            <a:r>
+              <a:rPr lang="en-US" dirty="0"/>
+              <a:t>: Process of Retrieving the Encoded message (ciphertext) to original message (Plain text) to original message (Plain text) using cipher and key </a:t>
+            </a:r>
+          </a:p>
+          <a:p>
+            <a:endParaRPr lang="en-US" dirty="0"/>
+          </a:p>
+          <a:p>
+            <a:endParaRPr lang="en-US" dirty="0"/>
+          </a:p>
+          <a:p>
+            <a:br>
+              <a:rPr lang="en-US" dirty="0"/>
+            </a:br>
+            <a:endParaRPr lang="en-US" dirty="0"/>
+          </a:p>
+        </p:txBody>
+      </p:sp>
     </p:spTree>
     <p:extLst>
       <p:ext uri="{BB962C8B-B14F-4D97-AF65-F5344CB8AC3E}">
         <p14:creationId xmlns:p14="http://schemas.microsoft.com/office/powerpoint/2010/main" val="1199457767"/>
+      </p:ext>
+    </p:extLst>
+  </p:cSld>
+  <p:clrMapOvr>
+    <a:masterClrMapping/>
+  </p:clrMapOvr>
+</p:sld>
+</file>
+
+<file path=ppt/slides/slide18.xml><?xml version="1.0" encoding="utf-8"?>
+<p:sld xmlns:a="http://schemas.openxmlformats.org/drawingml/2006/main" xmlns:r="http://schemas.openxmlformats.org/officeDocument/2006/relationships" xmlns:p="http://schemas.openxmlformats.org/presentationml/2006/main">
+  <p:cSld>
+    <p:bg>
+      <p:bgPr>
+        <a:blipFill rotWithShape="1">
+          <a:blip r:embed="rId2"/>
+          <a:stretch/>
+        </a:blipFill>
+        <a:effectLst/>
+      </p:bgPr>
+    </p:bg>
+    <p:spTree>
+      <p:nvGrpSpPr>
+        <p:cNvPr id="1" name=""/>
+        <p:cNvGrpSpPr/>
+        <p:nvPr/>
+      </p:nvGrpSpPr>
+      <p:grpSpPr>
+        <a:xfrm>
+          <a:off x="0" y="0"/>
+          <a:ext cx="0" cy="0"/>
+          <a:chOff x="0" y="0"/>
+          <a:chExt cx="0" cy="0"/>
+        </a:xfrm>
+      </p:grpSpPr>
+      <p:pic>
+        <p:nvPicPr>
+          <p:cNvPr id="3" name="Picture 2">
+            <a:extLst>
+              <a:ext uri="{FF2B5EF4-FFF2-40B4-BE49-F238E27FC236}">
+                <a16:creationId xmlns:a16="http://schemas.microsoft.com/office/drawing/2014/main" id="{EB3A9B03-5E9A-D74F-7CED-7E2BF4C3A644}"/>
+              </a:ext>
+            </a:extLst>
+          </p:cNvPr>
+          <p:cNvPicPr>
+            <a:picLocks noChangeAspect="1"/>
+          </p:cNvPicPr>
+          <p:nvPr/>
+        </p:nvPicPr>
+        <p:blipFill>
+          <a:blip r:embed="rId3"/>
+          <a:stretch>
+            <a:fillRect/>
+          </a:stretch>
+        </p:blipFill>
+        <p:spPr>
+          <a:xfrm>
+            <a:off x="1328446" y="964705"/>
+            <a:ext cx="9719948" cy="4932873"/>
+          </a:xfrm>
+          <a:prstGeom prst="rect">
+            <a:avLst/>
+          </a:prstGeom>
+        </p:spPr>
+      </p:pic>
+      <p:sp>
+        <p:nvSpPr>
+          <p:cNvPr id="4" name="TextBox 3">
+            <a:extLst>
+              <a:ext uri="{FF2B5EF4-FFF2-40B4-BE49-F238E27FC236}">
+                <a16:creationId xmlns:a16="http://schemas.microsoft.com/office/drawing/2014/main" id="{E4DD80E0-EA9D-9A5F-1440-6C04A38AC0A7}"/>
+              </a:ext>
+            </a:extLst>
+          </p:cNvPr>
+          <p:cNvSpPr txBox="1"/>
+          <p:nvPr/>
+        </p:nvSpPr>
+        <p:spPr>
+          <a:xfrm>
+            <a:off x="1122793" y="348734"/>
+            <a:ext cx="8639175" cy="646331"/>
+          </a:xfrm>
+          <a:prstGeom prst="rect">
+            <a:avLst/>
+          </a:prstGeom>
+          <a:noFill/>
+        </p:spPr>
+        <p:txBody>
+          <a:bodyPr wrap="square">
+            <a:spAutoFit/>
+          </a:bodyPr>
+          <a:lstStyle>
+            <a:defPPr>
+              <a:defRPr lang="en-US"/>
+            </a:defPPr>
+            <a:lvl1pPr>
+              <a:defRPr b="1"/>
+            </a:lvl1pPr>
+          </a:lstStyle>
+          <a:p>
+            <a:r>
+              <a:rPr lang="en-IN" dirty="0"/>
+              <a:t>Overview of security related component in ECU</a:t>
+            </a:r>
+            <a:br>
+              <a:rPr lang="en-IN" dirty="0"/>
+            </a:br>
+            <a:r>
+              <a:rPr lang="en-IN" dirty="0"/>
+              <a:t> </a:t>
+            </a:r>
+          </a:p>
+        </p:txBody>
+      </p:sp>
+    </p:spTree>
+    <p:extLst>
+      <p:ext uri="{BB962C8B-B14F-4D97-AF65-F5344CB8AC3E}">
+        <p14:creationId xmlns:p14="http://schemas.microsoft.com/office/powerpoint/2010/main" val="186032188"/>
       </p:ext>
     </p:extLst>
   </p:cSld>
@@ -7919,97 +7975,12 @@
           <a:chExt cx="0" cy="0"/>
         </a:xfrm>
       </p:grpSpPr>
-      <p:sp>
-        <p:nvSpPr>
-          <p:cNvPr id="3" name="TextBox 2">
+      <p:pic>
+        <p:nvPicPr>
+          <p:cNvPr id="2" name="Picture 1" descr="Text, logo&#10;&#10;Description automatically generated">
             <a:extLst>
               <a:ext uri="{FF2B5EF4-FFF2-40B4-BE49-F238E27FC236}">
-                <a16:creationId xmlns:a16="http://schemas.microsoft.com/office/drawing/2014/main" id="{29303EF0-D274-66D0-7DC6-6CDBB772998D}"/>
-              </a:ext>
-            </a:extLst>
-          </p:cNvPr>
-          <p:cNvSpPr txBox="1"/>
-          <p:nvPr/>
-        </p:nvSpPr>
-        <p:spPr>
-          <a:xfrm>
-            <a:off x="3533863" y="2550145"/>
-            <a:ext cx="6094602" cy="369332"/>
-          </a:xfrm>
-          <a:prstGeom prst="rect">
-            <a:avLst/>
-          </a:prstGeom>
-          <a:noFill/>
-        </p:spPr>
-        <p:txBody>
-          <a:bodyPr wrap="square">
-            <a:spAutoFit/>
-          </a:bodyPr>
-          <a:lstStyle/>
-          <a:p>
-            <a:r>
-              <a:rPr lang="en-IN" sz="1800" dirty="0"/>
-              <a:t>Difference between SHE and HSM </a:t>
-            </a:r>
-            <a:endParaRPr lang="en-IN" dirty="0"/>
-          </a:p>
-        </p:txBody>
-      </p:sp>
-      <p:sp>
-        <p:nvSpPr>
-          <p:cNvPr id="4" name="TextBox 3">
-            <a:extLst>
-              <a:ext uri="{FF2B5EF4-FFF2-40B4-BE49-F238E27FC236}">
-                <a16:creationId xmlns:a16="http://schemas.microsoft.com/office/drawing/2014/main" id="{72795179-53E9-F275-BA0F-5711848A49FD}"/>
-              </a:ext>
-            </a:extLst>
-          </p:cNvPr>
-          <p:cNvSpPr txBox="1"/>
-          <p:nvPr/>
-        </p:nvSpPr>
-        <p:spPr>
-          <a:xfrm>
-            <a:off x="1122793" y="348734"/>
-            <a:ext cx="8639175" cy="646331"/>
-          </a:xfrm>
-          <a:prstGeom prst="rect">
-            <a:avLst/>
-          </a:prstGeom>
-          <a:noFill/>
-        </p:spPr>
-        <p:txBody>
-          <a:bodyPr wrap="square">
-            <a:spAutoFit/>
-          </a:bodyPr>
-          <a:lstStyle>
-            <a:defPPr>
-              <a:defRPr lang="en-US"/>
-            </a:defPPr>
-            <a:lvl1pPr>
-              <a:defRPr b="1"/>
-            </a:lvl1pPr>
-          </a:lstStyle>
-          <a:p>
-            <a:r>
-              <a:rPr lang="en-IN" dirty="0"/>
-              <a:t>Overview of an ECU Software architecture</a:t>
-            </a:r>
-            <a:br>
-              <a:rPr lang="en-IN" dirty="0"/>
-            </a:br>
-            <a:r>
-              <a:rPr lang="en-IN" dirty="0"/>
-              <a:t> </a:t>
-            </a:r>
-          </a:p>
-        </p:txBody>
-      </p:sp>
-      <p:pic>
-        <p:nvPicPr>
-          <p:cNvPr id="5" name="Picture 4" descr="Text, logo&#10;&#10;Description automatically generated">
-            <a:extLst>
-              <a:ext uri="{FF2B5EF4-FFF2-40B4-BE49-F238E27FC236}">
-                <a16:creationId xmlns:a16="http://schemas.microsoft.com/office/drawing/2014/main" id="{D2AE90B5-093D-AF37-471C-E71515365DE5}"/>
+                <a16:creationId xmlns:a16="http://schemas.microsoft.com/office/drawing/2014/main" id="{3261532F-5735-2185-9FC9-B5CF9B01F24E}"/>
               </a:ext>
             </a:extLst>
           </p:cNvPr>
@@ -8042,10 +8013,272 @@
           </a:effectLst>
         </p:spPr>
       </p:pic>
+      <p:sp>
+        <p:nvSpPr>
+          <p:cNvPr id="4" name="TextBox 3">
+            <a:extLst>
+              <a:ext uri="{FF2B5EF4-FFF2-40B4-BE49-F238E27FC236}">
+                <a16:creationId xmlns:a16="http://schemas.microsoft.com/office/drawing/2014/main" id="{DCFAC96C-DC71-DEB3-B185-DA6C0388061A}"/>
+              </a:ext>
+            </a:extLst>
+          </p:cNvPr>
+          <p:cNvSpPr txBox="1"/>
+          <p:nvPr/>
+        </p:nvSpPr>
+        <p:spPr>
+          <a:xfrm>
+            <a:off x="1537283" y="1471996"/>
+            <a:ext cx="6094602" cy="3693319"/>
+          </a:xfrm>
+          <a:prstGeom prst="rect">
+            <a:avLst/>
+          </a:prstGeom>
+          <a:noFill/>
+        </p:spPr>
+        <p:txBody>
+          <a:bodyPr wrap="square">
+            <a:spAutoFit/>
+          </a:bodyPr>
+          <a:lstStyle/>
+          <a:p>
+            <a:r>
+              <a:rPr lang="en-IN" sz="1800" dirty="0"/>
+              <a:t>AES </a:t>
+            </a:r>
+            <a:endParaRPr lang="en-IN" dirty="0"/>
+          </a:p>
+          <a:p>
+            <a:endParaRPr lang="en-IN" sz="1800" dirty="0"/>
+          </a:p>
+          <a:p>
+            <a:r>
+              <a:rPr lang="en-IN" sz="1800" dirty="0"/>
+              <a:t> </a:t>
+            </a:r>
+          </a:p>
+          <a:p>
+            <a:endParaRPr lang="en-IN" dirty="0"/>
+          </a:p>
+          <a:p>
+            <a:r>
+              <a:rPr lang="en-IN" sz="1800" dirty="0"/>
+              <a:t>ECB </a:t>
+            </a:r>
+          </a:p>
+          <a:p>
+            <a:endParaRPr lang="en-IN" dirty="0"/>
+          </a:p>
+          <a:p>
+            <a:endParaRPr lang="en-IN" sz="1800" dirty="0"/>
+          </a:p>
+          <a:p>
+            <a:endParaRPr lang="en-IN" dirty="0"/>
+          </a:p>
+          <a:p>
+            <a:r>
+              <a:rPr lang="en-IN" sz="1800" dirty="0"/>
+              <a:t>CBC mode</a:t>
+            </a:r>
+          </a:p>
+          <a:p>
+            <a:endParaRPr lang="en-IN" dirty="0"/>
+          </a:p>
+          <a:p>
+            <a:br>
+              <a:rPr lang="en-IN" sz="1800" dirty="0"/>
+            </a:br>
+            <a:r>
+              <a:rPr lang="en-IN" sz="1800" dirty="0"/>
+              <a:t>		</a:t>
+            </a:r>
+          </a:p>
+          <a:p>
+            <a:r>
+              <a:rPr lang="en-IN" sz="1800" dirty="0"/>
+              <a:t> RSA</a:t>
+            </a:r>
+          </a:p>
+        </p:txBody>
+      </p:sp>
+      <p:sp>
+        <p:nvSpPr>
+          <p:cNvPr id="5" name="TextBox 4">
+            <a:extLst>
+              <a:ext uri="{FF2B5EF4-FFF2-40B4-BE49-F238E27FC236}">
+                <a16:creationId xmlns:a16="http://schemas.microsoft.com/office/drawing/2014/main" id="{A889018D-72FD-F3B4-956C-EEC9777E4783}"/>
+              </a:ext>
+            </a:extLst>
+          </p:cNvPr>
+          <p:cNvSpPr txBox="1"/>
+          <p:nvPr/>
+        </p:nvSpPr>
+        <p:spPr>
+          <a:xfrm>
+            <a:off x="1122793" y="348734"/>
+            <a:ext cx="8639175" cy="646331"/>
+          </a:xfrm>
+          <a:prstGeom prst="rect">
+            <a:avLst/>
+          </a:prstGeom>
+          <a:noFill/>
+        </p:spPr>
+        <p:txBody>
+          <a:bodyPr wrap="square">
+            <a:spAutoFit/>
+          </a:bodyPr>
+          <a:lstStyle>
+            <a:defPPr>
+              <a:defRPr lang="en-US"/>
+            </a:defPPr>
+            <a:lvl1pPr>
+              <a:defRPr b="1"/>
+            </a:lvl1pPr>
+          </a:lstStyle>
+          <a:p>
+            <a:r>
+              <a:rPr lang="en-IN" dirty="0"/>
+              <a:t>Symmetric and Asymmetric algorithms</a:t>
+            </a:r>
+            <a:br>
+              <a:rPr lang="en-IN" dirty="0"/>
+            </a:br>
+            <a:r>
+              <a:rPr lang="en-IN" dirty="0"/>
+              <a:t> </a:t>
+            </a:r>
+          </a:p>
+        </p:txBody>
+      </p:sp>
+      <p:sp>
+        <p:nvSpPr>
+          <p:cNvPr id="6" name="TextBox 5">
+            <a:extLst>
+              <a:ext uri="{FF2B5EF4-FFF2-40B4-BE49-F238E27FC236}">
+                <a16:creationId xmlns:a16="http://schemas.microsoft.com/office/drawing/2014/main" id="{A13E636D-7BD2-BCEE-6255-423F88EC019E}"/>
+              </a:ext>
+            </a:extLst>
+          </p:cNvPr>
+          <p:cNvSpPr txBox="1"/>
+          <p:nvPr/>
+        </p:nvSpPr>
+        <p:spPr>
+          <a:xfrm>
+            <a:off x="3049229" y="1726604"/>
+            <a:ext cx="6098458" cy="3139321"/>
+          </a:xfrm>
+          <a:prstGeom prst="rect">
+            <a:avLst/>
+          </a:prstGeom>
+          <a:noFill/>
+        </p:spPr>
+        <p:txBody>
+          <a:bodyPr wrap="square">
+            <a:spAutoFit/>
+          </a:bodyPr>
+          <a:lstStyle/>
+          <a:p>
+            <a:pPr>
+              <a:defRPr/>
+            </a:pPr>
+            <a:r>
+              <a:rPr lang="en-US" b="1" dirty="0">
+                <a:latin typeface="Quire Sans" panose="020B0502040400020003" pitchFamily="34" charset="0"/>
+                <a:cs typeface="Quire Sans" panose="020B0502040400020003" pitchFamily="34" charset="0"/>
+              </a:rPr>
+              <a:t>Symmetric key :  </a:t>
+            </a:r>
+            <a:r>
+              <a:rPr lang="en-US" dirty="0">
+                <a:latin typeface="Quire Sans" panose="020B0502040400020003" pitchFamily="34" charset="0"/>
+                <a:cs typeface="Quire Sans" panose="020B0502040400020003" pitchFamily="34" charset="0"/>
+              </a:rPr>
+              <a:t>Same key used for encryption and decryption</a:t>
+            </a:r>
+            <a:endParaRPr lang="en-US" b="1" u="sng" dirty="0">
+              <a:latin typeface="Quire Sans" panose="020B0502040400020003" pitchFamily="34" charset="0"/>
+              <a:cs typeface="Quire Sans" panose="020B0502040400020003" pitchFamily="34" charset="0"/>
+            </a:endParaRPr>
+          </a:p>
+          <a:p>
+            <a:pPr>
+              <a:defRPr/>
+            </a:pPr>
+            <a:endParaRPr lang="en-US" b="1" dirty="0">
+              <a:latin typeface="Quire Sans" panose="020B0502040400020003" pitchFamily="34" charset="0"/>
+              <a:cs typeface="Quire Sans" panose="020B0502040400020003" pitchFamily="34" charset="0"/>
+            </a:endParaRPr>
+          </a:p>
+          <a:p>
+            <a:pPr>
+              <a:defRPr/>
+            </a:pPr>
+            <a:r>
+              <a:rPr lang="en-US" b="1" dirty="0">
+                <a:latin typeface="Quire Sans" panose="020B0502040400020003" pitchFamily="34" charset="0"/>
+                <a:cs typeface="Quire Sans" panose="020B0502040400020003" pitchFamily="34" charset="0"/>
+              </a:rPr>
+              <a:t>Asymmetric key: </a:t>
+            </a:r>
+            <a:r>
+              <a:rPr lang="en-US" dirty="0">
+                <a:latin typeface="Quire Sans" panose="020B0502040400020003" pitchFamily="34" charset="0"/>
+                <a:cs typeface="Quire Sans" panose="020B0502040400020003" pitchFamily="34" charset="0"/>
+              </a:rPr>
+              <a:t>Different key used to Encrypt and decrypt the data </a:t>
+            </a:r>
+            <a:br>
+              <a:rPr lang="en-US" b="1" u="sng" dirty="0">
+                <a:latin typeface="Quire Sans" panose="020B0502040400020003" pitchFamily="34" charset="0"/>
+                <a:cs typeface="Quire Sans" panose="020B0502040400020003" pitchFamily="34" charset="0"/>
+              </a:rPr>
+            </a:br>
+            <a:br>
+              <a:rPr lang="en-US" b="1" u="sng" dirty="0">
+                <a:latin typeface="Quire Sans" panose="020B0502040400020003" pitchFamily="34" charset="0"/>
+                <a:cs typeface="Quire Sans" panose="020B0502040400020003" pitchFamily="34" charset="0"/>
+              </a:rPr>
+            </a:br>
+            <a:r>
+              <a:rPr lang="en-US" b="1" dirty="0">
+                <a:latin typeface="Quire Sans" panose="020B0502040400020003" pitchFamily="34" charset="0"/>
+                <a:cs typeface="Quire Sans" panose="020B0502040400020003" pitchFamily="34" charset="0"/>
+              </a:rPr>
+              <a:t>Public Key : Used to encrypt the data and can be shared </a:t>
+            </a:r>
+            <a:r>
+              <a:rPr lang="en-US" b="1" dirty="0" err="1">
+                <a:latin typeface="Quire Sans" panose="020B0502040400020003" pitchFamily="34" charset="0"/>
+                <a:cs typeface="Quire Sans" panose="020B0502040400020003" pitchFamily="34" charset="0"/>
+              </a:rPr>
+              <a:t>publically</a:t>
+            </a:r>
+            <a:br>
+              <a:rPr lang="en-US" b="1" u="sng" dirty="0">
+                <a:latin typeface="Quire Sans" panose="020B0502040400020003" pitchFamily="34" charset="0"/>
+                <a:cs typeface="Quire Sans" panose="020B0502040400020003" pitchFamily="34" charset="0"/>
+              </a:rPr>
+            </a:br>
+            <a:br>
+              <a:rPr lang="en-US" b="1" u="sng" dirty="0">
+                <a:latin typeface="Quire Sans" panose="020B0502040400020003" pitchFamily="34" charset="0"/>
+                <a:cs typeface="Quire Sans" panose="020B0502040400020003" pitchFamily="34" charset="0"/>
+              </a:rPr>
+            </a:br>
+            <a:r>
+              <a:rPr lang="en-US" b="1" dirty="0">
+                <a:latin typeface="Quire Sans" panose="020B0502040400020003" pitchFamily="34" charset="0"/>
+                <a:cs typeface="Quire Sans" panose="020B0502040400020003" pitchFamily="34" charset="0"/>
+              </a:rPr>
+              <a:t>Private key : Used to decrypt the data and its private to single user </a:t>
+            </a:r>
+            <a:endParaRPr lang="en-US" dirty="0"/>
+          </a:p>
+        </p:txBody>
+      </p:sp>
     </p:spTree>
     <p:extLst>
       <p:ext uri="{BB962C8B-B14F-4D97-AF65-F5344CB8AC3E}">
-        <p14:creationId xmlns:p14="http://schemas.microsoft.com/office/powerpoint/2010/main" val="2559338286"/>
+        <p14:creationId xmlns:p14="http://schemas.microsoft.com/office/powerpoint/2010/main" val="223542196"/>
       </p:ext>
     </p:extLst>
   </p:cSld>
@@ -8590,6 +8823,211 @@
           </a:effectLst>
         </p:spPr>
       </p:pic>
+      <p:sp>
+        <p:nvSpPr>
+          <p:cNvPr id="6" name="TextBox 5">
+            <a:extLst>
+              <a:ext uri="{FF2B5EF4-FFF2-40B4-BE49-F238E27FC236}">
+                <a16:creationId xmlns:a16="http://schemas.microsoft.com/office/drawing/2014/main" id="{B9DDA3EC-C0E0-3879-A652-E05E94489BBE}"/>
+              </a:ext>
+            </a:extLst>
+          </p:cNvPr>
+          <p:cNvSpPr txBox="1"/>
+          <p:nvPr/>
+        </p:nvSpPr>
+        <p:spPr>
+          <a:xfrm>
+            <a:off x="976294" y="864084"/>
+            <a:ext cx="10239411" cy="4524315"/>
+          </a:xfrm>
+          <a:prstGeom prst="rect">
+            <a:avLst/>
+          </a:prstGeom>
+          <a:noFill/>
+        </p:spPr>
+        <p:txBody>
+          <a:bodyPr wrap="square">
+            <a:spAutoFit/>
+          </a:bodyPr>
+          <a:lstStyle/>
+          <a:p>
+            <a:pPr>
+              <a:defRPr/>
+            </a:pPr>
+            <a:r>
+              <a:rPr lang="en-US" b="1" dirty="0">
+                <a:latin typeface="Quire Sans" panose="020B0502040400020003" pitchFamily="34" charset="0"/>
+                <a:cs typeface="Quire Sans" panose="020B0502040400020003" pitchFamily="34" charset="0"/>
+              </a:rPr>
+              <a:t>Key is the main component along with cipher to convert the </a:t>
+            </a:r>
+            <a:r>
+              <a:rPr lang="en-US" b="1" dirty="0" err="1">
+                <a:latin typeface="Quire Sans" panose="020B0502040400020003" pitchFamily="34" charset="0"/>
+                <a:cs typeface="Quire Sans" panose="020B0502040400020003" pitchFamily="34" charset="0"/>
+              </a:rPr>
+              <a:t>plaintest</a:t>
+            </a:r>
+            <a:r>
+              <a:rPr lang="en-US" b="1" dirty="0">
+                <a:latin typeface="Quire Sans" panose="020B0502040400020003" pitchFamily="34" charset="0"/>
+                <a:cs typeface="Quire Sans" panose="020B0502040400020003" pitchFamily="34" charset="0"/>
+              </a:rPr>
+              <a:t> so it should be placed securely </a:t>
+            </a:r>
+          </a:p>
+          <a:p>
+            <a:pPr>
+              <a:defRPr/>
+            </a:pPr>
+            <a:endParaRPr lang="en-US" b="1" u="sng" dirty="0">
+              <a:latin typeface="Quire Sans" panose="020B0502040400020003" pitchFamily="34" charset="0"/>
+              <a:cs typeface="Quire Sans" panose="020B0502040400020003" pitchFamily="34" charset="0"/>
+            </a:endParaRPr>
+          </a:p>
+          <a:p>
+            <a:pPr>
+              <a:defRPr/>
+            </a:pPr>
+            <a:br>
+              <a:rPr lang="en-US" b="1" u="sng" dirty="0">
+                <a:latin typeface="Quire Sans" panose="020B0502040400020003" pitchFamily="34" charset="0"/>
+                <a:cs typeface="Quire Sans" panose="020B0502040400020003" pitchFamily="34" charset="0"/>
+              </a:rPr>
+            </a:br>
+            <a:br>
+              <a:rPr lang="en-US" b="1" u="sng" dirty="0">
+                <a:latin typeface="Quire Sans" panose="020B0502040400020003" pitchFamily="34" charset="0"/>
+                <a:cs typeface="Quire Sans" panose="020B0502040400020003" pitchFamily="34" charset="0"/>
+              </a:rPr>
+            </a:br>
+            <a:br>
+              <a:rPr lang="en-US" b="1" u="sng" dirty="0">
+                <a:latin typeface="Quire Sans" panose="020B0502040400020003" pitchFamily="34" charset="0"/>
+                <a:cs typeface="Quire Sans" panose="020B0502040400020003" pitchFamily="34" charset="0"/>
+              </a:rPr>
+            </a:br>
+            <a:r>
+              <a:rPr lang="en-US" b="1" u="sng" dirty="0">
+                <a:latin typeface="Quire Sans" panose="020B0502040400020003" pitchFamily="34" charset="0"/>
+                <a:cs typeface="Quire Sans" panose="020B0502040400020003" pitchFamily="34" charset="0"/>
+              </a:rPr>
+              <a:t>Example : Symmetric key storage in NVM </a:t>
+            </a:r>
+            <a:br>
+              <a:rPr lang="en-US" b="1" u="sng" dirty="0">
+                <a:latin typeface="Quire Sans" panose="020B0502040400020003" pitchFamily="34" charset="0"/>
+                <a:cs typeface="Quire Sans" panose="020B0502040400020003" pitchFamily="34" charset="0"/>
+              </a:rPr>
+            </a:br>
+            <a:br>
+              <a:rPr lang="en-US" b="1" dirty="0">
+                <a:latin typeface="Quire Sans" panose="020B0502040400020003" pitchFamily="34" charset="0"/>
+                <a:cs typeface="Quire Sans" panose="020B0502040400020003" pitchFamily="34" charset="0"/>
+              </a:rPr>
+            </a:br>
+            <a:r>
+              <a:rPr lang="en-US" b="1" dirty="0">
+                <a:latin typeface="Quire Sans" panose="020B0502040400020003" pitchFamily="34" charset="0"/>
+                <a:cs typeface="Quire Sans" panose="020B0502040400020003" pitchFamily="34" charset="0"/>
+              </a:rPr>
+              <a:t>1. Plain key that need to be stored into SHE Module </a:t>
+            </a:r>
+          </a:p>
+          <a:p>
+            <a:pPr>
+              <a:defRPr/>
+            </a:pPr>
+            <a:r>
+              <a:rPr lang="en-US" b="1" dirty="0">
+                <a:latin typeface="Quire Sans" panose="020B0502040400020003" pitchFamily="34" charset="0"/>
+                <a:cs typeface="Quire Sans" panose="020B0502040400020003" pitchFamily="34" charset="0"/>
+              </a:rPr>
+              <a:t>2. Calculate M1 to M5 </a:t>
+            </a:r>
+          </a:p>
+          <a:p>
+            <a:pPr>
+              <a:defRPr/>
+            </a:pPr>
+            <a:r>
+              <a:rPr lang="en-US" b="1" dirty="0">
+                <a:latin typeface="Quire Sans" panose="020B0502040400020003" pitchFamily="34" charset="0"/>
+                <a:cs typeface="Quire Sans" panose="020B0502040400020003" pitchFamily="34" charset="0"/>
+              </a:rPr>
+              <a:t>3. Load the encrypted key </a:t>
+            </a:r>
+          </a:p>
+          <a:p>
+            <a:pPr>
+              <a:defRPr/>
+            </a:pPr>
+            <a:endParaRPr lang="en-US" b="1" u="sng" dirty="0">
+              <a:latin typeface="Quire Sans" panose="020B0502040400020003" pitchFamily="34" charset="0"/>
+              <a:cs typeface="Quire Sans" panose="020B0502040400020003" pitchFamily="34" charset="0"/>
+            </a:endParaRPr>
+          </a:p>
+          <a:p>
+            <a:pPr>
+              <a:defRPr/>
+            </a:pPr>
+            <a:endParaRPr lang="en-US" b="1" u="sng" dirty="0">
+              <a:latin typeface="Quire Sans" panose="020B0502040400020003" pitchFamily="34" charset="0"/>
+              <a:cs typeface="Quire Sans" panose="020B0502040400020003" pitchFamily="34" charset="0"/>
+            </a:endParaRPr>
+          </a:p>
+          <a:p>
+            <a:pPr>
+              <a:defRPr/>
+            </a:pPr>
+            <a:endParaRPr lang="en-US" b="1" u="sng" dirty="0">
+              <a:latin typeface="Quire Sans" panose="020B0502040400020003" pitchFamily="34" charset="0"/>
+              <a:cs typeface="Quire Sans" panose="020B0502040400020003" pitchFamily="34" charset="0"/>
+            </a:endParaRPr>
+          </a:p>
+          <a:p>
+            <a:pPr>
+              <a:defRPr/>
+            </a:pPr>
+            <a:r>
+              <a:rPr lang="en-US" b="1" u="sng" dirty="0">
+                <a:latin typeface="Quire Sans" panose="020B0502040400020003" pitchFamily="34" charset="0"/>
+                <a:cs typeface="Quire Sans" panose="020B0502040400020003" pitchFamily="34" charset="0"/>
+              </a:rPr>
+              <a:t>Load key as RAM key   (</a:t>
+            </a:r>
+            <a:r>
+              <a:rPr lang="en-US" b="1" u="sng" dirty="0">
+                <a:solidFill>
+                  <a:srgbClr val="FF0000"/>
+                </a:solidFill>
+                <a:latin typeface="Quire Sans" panose="020B0502040400020003" pitchFamily="34" charset="0"/>
+                <a:cs typeface="Quire Sans" panose="020B0502040400020003" pitchFamily="34" charset="0"/>
+              </a:rPr>
+              <a:t>Non secure manner </a:t>
+            </a:r>
+            <a:r>
+              <a:rPr lang="en-US" b="1" u="sng" dirty="0">
+                <a:latin typeface="Quire Sans" panose="020B0502040400020003" pitchFamily="34" charset="0"/>
+                <a:cs typeface="Quire Sans" panose="020B0502040400020003" pitchFamily="34" charset="0"/>
+              </a:rPr>
+              <a:t>only for preproduction purpose)</a:t>
+            </a:r>
+          </a:p>
+          <a:p>
+            <a:pPr>
+              <a:defRPr/>
+            </a:pPr>
+            <a:r>
+              <a:rPr lang="en-US" b="1" dirty="0">
+                <a:latin typeface="Quire Sans" panose="020B0502040400020003" pitchFamily="34" charset="0"/>
+                <a:cs typeface="Quire Sans" panose="020B0502040400020003" pitchFamily="34" charset="0"/>
+              </a:rPr>
+              <a:t>1.To speed up the project activity and to save the flash write cycle , we use RAM key . </a:t>
+            </a:r>
+          </a:p>
+        </p:txBody>
+      </p:sp>
     </p:spTree>
     <p:extLst>
       <p:ext uri="{BB962C8B-B14F-4D97-AF65-F5344CB8AC3E}">
@@ -8622,49 +9060,10 @@
       </p:grpSpPr>
       <p:sp>
         <p:nvSpPr>
-          <p:cNvPr id="3" name="TextBox 2">
-            <a:extLst>
-              <a:ext uri="{FF2B5EF4-FFF2-40B4-BE49-F238E27FC236}">
-                <a16:creationId xmlns:a16="http://schemas.microsoft.com/office/drawing/2014/main" id="{2440A15A-A762-1002-F2E4-BA706CA3C83D}"/>
-              </a:ext>
-            </a:extLst>
-          </p:cNvPr>
-          <p:cNvSpPr txBox="1"/>
-          <p:nvPr/>
-        </p:nvSpPr>
-        <p:spPr>
-          <a:xfrm>
-            <a:off x="1805731" y="2788934"/>
-            <a:ext cx="6094602" cy="461665"/>
-          </a:xfrm>
-          <a:prstGeom prst="rect">
-            <a:avLst/>
-          </a:prstGeom>
-          <a:noFill/>
-        </p:spPr>
-        <p:txBody>
-          <a:bodyPr wrap="square">
-            <a:spAutoFit/>
-          </a:bodyPr>
-          <a:lstStyle/>
-          <a:p>
-            <a:r>
-              <a:rPr lang="en-IN" sz="1200" dirty="0"/>
-              <a:t>DH   </a:t>
-            </a:r>
-            <a:br>
-              <a:rPr lang="en-IN" sz="1200" dirty="0"/>
-            </a:br>
-            <a:endParaRPr lang="en-IN" sz="1200" dirty="0"/>
-          </a:p>
-        </p:txBody>
-      </p:sp>
-      <p:sp>
-        <p:nvSpPr>
           <p:cNvPr id="4" name="TextBox 3">
             <a:extLst>
               <a:ext uri="{FF2B5EF4-FFF2-40B4-BE49-F238E27FC236}">
-                <a16:creationId xmlns:a16="http://schemas.microsoft.com/office/drawing/2014/main" id="{225C129C-1819-FA11-8891-F9D655E2597B}"/>
+                <a16:creationId xmlns:a16="http://schemas.microsoft.com/office/drawing/2014/main" id="{72795179-53E9-F275-BA0F-5711848A49FD}"/>
               </a:ext>
             </a:extLst>
           </p:cNvPr>
@@ -8696,7 +9095,7 @@
           <a:p>
             <a:r>
               <a:rPr lang="en-IN" sz="1800" dirty="0"/>
-              <a:t>Key exchange algorithm</a:t>
+              <a:t>Difference between SHE and HSM </a:t>
             </a:r>
             <a:endParaRPr lang="en-IN" dirty="0"/>
           </a:p>
@@ -8707,7 +9106,7 @@
           <p:cNvPr id="5" name="Picture 4" descr="Text, logo&#10;&#10;Description automatically generated">
             <a:extLst>
               <a:ext uri="{FF2B5EF4-FFF2-40B4-BE49-F238E27FC236}">
-                <a16:creationId xmlns:a16="http://schemas.microsoft.com/office/drawing/2014/main" id="{4B694720-0A36-09A3-8D0B-E3E7EA2185F0}"/>
+                <a16:creationId xmlns:a16="http://schemas.microsoft.com/office/drawing/2014/main" id="{D2AE90B5-093D-AF37-471C-E71515365DE5}"/>
               </a:ext>
             </a:extLst>
           </p:cNvPr>
@@ -8726,7 +9125,7 @@
         </p:blipFill>
         <p:spPr>
           <a:xfrm rot="20023087">
-            <a:off x="1269151" y="2039414"/>
+            <a:off x="1269151" y="2031025"/>
             <a:ext cx="10370342" cy="2125369"/>
           </a:xfrm>
           <a:prstGeom prst="rect">
@@ -8740,48 +9139,125 @@
           </a:effectLst>
         </p:spPr>
       </p:pic>
-      <p:pic>
-        <p:nvPicPr>
-          <p:cNvPr id="6" name="Picture 5" descr="Text, logo&#10;&#10;Description automatically generated">
+      <p:sp>
+        <p:nvSpPr>
+          <p:cNvPr id="2" name="TextBox 1">
             <a:extLst>
               <a:ext uri="{FF2B5EF4-FFF2-40B4-BE49-F238E27FC236}">
-                <a16:creationId xmlns:a16="http://schemas.microsoft.com/office/drawing/2014/main" id="{B7FF255A-A98F-BAD0-033B-9CEFAA637303}"/>
+                <a16:creationId xmlns:a16="http://schemas.microsoft.com/office/drawing/2014/main" id="{AA8FC688-03A6-F54E-B947-238B0CF81481}"/>
               </a:ext>
             </a:extLst>
           </p:cNvPr>
-          <p:cNvPicPr>
-            <a:picLocks noChangeAspect="1"/>
-          </p:cNvPicPr>
+          <p:cNvSpPr txBox="1"/>
           <p:nvPr/>
-        </p:nvPicPr>
-        <p:blipFill>
-          <a:blip r:embed="rId2">
-            <a:alphaModFix amt="5000"/>
-          </a:blip>
-          <a:stretch>
-            <a:fillRect/>
-          </a:stretch>
-        </p:blipFill>
-        <p:spPr>
-          <a:xfrm rot="20023087">
-            <a:off x="1269151" y="2014247"/>
-            <a:ext cx="10370342" cy="2125369"/>
-          </a:xfrm>
-          <a:prstGeom prst="rect">
-            <a:avLst/>
-          </a:prstGeom>
-          <a:ln>
-            <a:noFill/>
-          </a:ln>
-          <a:effectLst>
-            <a:softEdge rad="112500"/>
-          </a:effectLst>
-        </p:spPr>
-      </p:pic>
+        </p:nvSpPr>
+        <p:spPr>
+          <a:xfrm>
+            <a:off x="1477108" y="1468315"/>
+            <a:ext cx="9380276" cy="4801314"/>
+          </a:xfrm>
+          <a:prstGeom prst="rect">
+            <a:avLst/>
+          </a:prstGeom>
+          <a:noFill/>
+        </p:spPr>
+        <p:txBody>
+          <a:bodyPr wrap="square" rtlCol="0">
+            <a:spAutoFit/>
+          </a:bodyPr>
+          <a:lstStyle/>
+          <a:p>
+            <a:r>
+              <a:rPr lang="en-US" b="1" dirty="0"/>
+              <a:t>SHE (Secure Hardware Extension)  (HIS)</a:t>
+            </a:r>
+            <a:br>
+              <a:rPr lang="en-US" dirty="0"/>
+            </a:br>
+            <a:r>
+              <a:rPr lang="en-US" dirty="0"/>
+              <a:t>1. She is standardized by HIS consortium </a:t>
+            </a:r>
+          </a:p>
+          <a:p>
+            <a:r>
+              <a:rPr lang="en-US" dirty="0"/>
+              <a:t>On board security solution along with micro controller</a:t>
+            </a:r>
+            <a:br>
+              <a:rPr lang="en-US" dirty="0"/>
+            </a:br>
+            <a:r>
+              <a:rPr lang="en-US" dirty="0"/>
+              <a:t>1.SHE supports only symmetric algorithm like AES, Asymmetric algorithms are not supported in SHE </a:t>
+            </a:r>
+            <a:br>
+              <a:rPr lang="en-US" dirty="0"/>
+            </a:br>
+            <a:r>
+              <a:rPr lang="en-US" dirty="0"/>
+              <a:t>2. So we can’t perform digital signature </a:t>
+            </a:r>
+            <a:br>
+              <a:rPr lang="en-US" dirty="0"/>
+            </a:br>
+            <a:r>
+              <a:rPr lang="en-US" dirty="0"/>
+              <a:t>3. Applications used : symmetric encryption and decryption , secure boot with BOOT MAC KEY support , Secure on board communication with symmetric key support </a:t>
+            </a:r>
+            <a:br>
+              <a:rPr lang="en-US" dirty="0"/>
+            </a:br>
+            <a:br>
+              <a:rPr lang="en-US" dirty="0"/>
+            </a:br>
+            <a:r>
+              <a:rPr lang="en-US" b="1" dirty="0"/>
+              <a:t>HSM (Hardware secure module)  </a:t>
+            </a:r>
+          </a:p>
+          <a:p>
+            <a:r>
+              <a:rPr lang="en-US" dirty="0"/>
+              <a:t>1.No standardized </a:t>
+            </a:r>
+            <a:br>
+              <a:rPr lang="en-US" dirty="0"/>
+            </a:br>
+            <a:r>
+              <a:rPr lang="en-US" dirty="0"/>
+              <a:t>1. Separate hardware security component</a:t>
+            </a:r>
+            <a:br>
+              <a:rPr lang="en-US" dirty="0"/>
+            </a:br>
+            <a:r>
+              <a:rPr lang="en-US" dirty="0"/>
+              <a:t>1. Asymmetric algorithms like RSA , ECC-256 , whirlpool are supported in HSM </a:t>
+            </a:r>
+          </a:p>
+          <a:p>
+            <a:r>
+              <a:rPr lang="en-US" dirty="0"/>
+              <a:t>2. Perform digital signature generation, support PKI (Public key infrastructure)</a:t>
+            </a:r>
+          </a:p>
+          <a:p>
+            <a:r>
+              <a:rPr lang="en-US" dirty="0"/>
+              <a:t>3. Applications used : Secure boot with BOOT MAC KEY support , Secure on board communication with Asymmetric key support </a:t>
+            </a:r>
+            <a:br>
+              <a:rPr lang="en-US" dirty="0"/>
+            </a:br>
+            <a:endParaRPr lang="en-US" dirty="0"/>
+          </a:p>
+        </p:txBody>
+      </p:sp>
     </p:spTree>
     <p:extLst>
       <p:ext uri="{BB962C8B-B14F-4D97-AF65-F5344CB8AC3E}">
-        <p14:creationId xmlns:p14="http://schemas.microsoft.com/office/powerpoint/2010/main" val="4090029713"/>
+        <p14:creationId xmlns:p14="http://schemas.microsoft.com/office/powerpoint/2010/main" val="2559338286"/>
       </p:ext>
     </p:extLst>
   </p:cSld>
@@ -8813,7 +9289,7 @@
           <p:cNvPr id="3" name="TextBox 2">
             <a:extLst>
               <a:ext uri="{FF2B5EF4-FFF2-40B4-BE49-F238E27FC236}">
-                <a16:creationId xmlns:a16="http://schemas.microsoft.com/office/drawing/2014/main" id="{DD1F0450-29AB-08D4-F6D1-A0CB447135E8}"/>
+                <a16:creationId xmlns:a16="http://schemas.microsoft.com/office/drawing/2014/main" id="{2440A15A-A762-1002-F2E4-BA706CA3C83D}"/>
               </a:ext>
             </a:extLst>
           </p:cNvPr>
@@ -8822,8 +9298,8 @@
         </p:nvSpPr>
         <p:spPr>
           <a:xfrm>
-            <a:off x="1730230" y="1639750"/>
-            <a:ext cx="6094602" cy="3046988"/>
+            <a:off x="1805731" y="2788934"/>
+            <a:ext cx="6094602" cy="461665"/>
           </a:xfrm>
           <a:prstGeom prst="rect">
             <a:avLst/>
@@ -8838,67 +9314,12 @@
           <a:p>
             <a:r>
               <a:rPr lang="en-IN" sz="1200" dirty="0"/>
-              <a:t>	SecOC</a:t>
-            </a:r>
-          </a:p>
-          <a:p>
-            <a:endParaRPr lang="en-IN" sz="1200" dirty="0"/>
-          </a:p>
-          <a:p>
-            <a:endParaRPr lang="en-IN" sz="1200" dirty="0"/>
-          </a:p>
-          <a:p>
+              <a:t>DH   </a:t>
+            </a:r>
             <a:br>
               <a:rPr lang="en-IN" sz="1200" dirty="0"/>
             </a:br>
-            <a:r>
-              <a:rPr lang="en-IN" sz="1200" dirty="0"/>
-              <a:t>	CSM</a:t>
-            </a:r>
-          </a:p>
-          <a:p>
             <a:endParaRPr lang="en-IN" sz="1200" dirty="0"/>
-          </a:p>
-          <a:p>
-            <a:endParaRPr lang="en-IN" sz="1200" dirty="0"/>
-          </a:p>
-          <a:p>
-            <a:endParaRPr lang="en-IN" sz="1200" dirty="0"/>
-          </a:p>
-          <a:p>
-            <a:endParaRPr lang="en-IN" sz="1200" dirty="0"/>
-          </a:p>
-          <a:p>
-            <a:r>
-              <a:rPr lang="en-IN" sz="1200" dirty="0"/>
-              <a:t>	CRY</a:t>
-            </a:r>
-          </a:p>
-          <a:p>
-            <a:endParaRPr lang="en-IN" sz="1200" dirty="0"/>
-          </a:p>
-          <a:p>
-            <a:endParaRPr lang="en-IN" sz="1200" dirty="0"/>
-          </a:p>
-          <a:p>
-            <a:endParaRPr lang="en-IN" sz="1200" dirty="0"/>
-          </a:p>
-          <a:p>
-            <a:endParaRPr lang="en-IN" sz="1200" dirty="0"/>
-          </a:p>
-          <a:p>
-            <a:pPr lvl="1"/>
-            <a:r>
-              <a:rPr lang="en-IN" sz="1200" dirty="0"/>
-              <a:t>	</a:t>
-            </a:r>
-          </a:p>
-          <a:p>
-            <a:pPr lvl="1"/>
-            <a:r>
-              <a:rPr lang="en-IN" sz="1200" dirty="0"/>
-              <a:t>CRIF</a:t>
-            </a:r>
           </a:p>
         </p:txBody>
       </p:sp>
@@ -8907,7 +9328,7 @@
           <p:cNvPr id="4" name="TextBox 3">
             <a:extLst>
               <a:ext uri="{FF2B5EF4-FFF2-40B4-BE49-F238E27FC236}">
-                <a16:creationId xmlns:a16="http://schemas.microsoft.com/office/drawing/2014/main" id="{4B2372C2-72FE-A331-893C-FA482142119B}"/>
+                <a16:creationId xmlns:a16="http://schemas.microsoft.com/office/drawing/2014/main" id="{225C129C-1819-FA11-8891-F9D655E2597B}"/>
               </a:ext>
             </a:extLst>
           </p:cNvPr>
@@ -8938,8 +9359,8 @@
           </a:lstStyle>
           <a:p>
             <a:r>
-              <a:rPr lang="en-US" dirty="0"/>
-              <a:t>Overview of AUTOSAR crypto stack</a:t>
+              <a:rPr lang="en-IN" sz="1800" dirty="0"/>
+              <a:t>Key exchange algorithm</a:t>
             </a:r>
             <a:endParaRPr lang="en-IN" dirty="0"/>
           </a:p>
@@ -8950,7 +9371,7 @@
           <p:cNvPr id="5" name="Picture 4" descr="Text, logo&#10;&#10;Description automatically generated">
             <a:extLst>
               <a:ext uri="{FF2B5EF4-FFF2-40B4-BE49-F238E27FC236}">
-                <a16:creationId xmlns:a16="http://schemas.microsoft.com/office/drawing/2014/main" id="{D337F30E-618C-911F-F36A-7B99D6B9B055}"/>
+                <a16:creationId xmlns:a16="http://schemas.microsoft.com/office/drawing/2014/main" id="{4B694720-0A36-09A3-8D0B-E3E7EA2185F0}"/>
               </a:ext>
             </a:extLst>
           </p:cNvPr>
@@ -8983,10 +9404,48 @@
           </a:effectLst>
         </p:spPr>
       </p:pic>
+      <p:pic>
+        <p:nvPicPr>
+          <p:cNvPr id="6" name="Picture 5" descr="Text, logo&#10;&#10;Description automatically generated">
+            <a:extLst>
+              <a:ext uri="{FF2B5EF4-FFF2-40B4-BE49-F238E27FC236}">
+                <a16:creationId xmlns:a16="http://schemas.microsoft.com/office/drawing/2014/main" id="{B7FF255A-A98F-BAD0-033B-9CEFAA637303}"/>
+              </a:ext>
+            </a:extLst>
+          </p:cNvPr>
+          <p:cNvPicPr>
+            <a:picLocks noChangeAspect="1"/>
+          </p:cNvPicPr>
+          <p:nvPr/>
+        </p:nvPicPr>
+        <p:blipFill>
+          <a:blip r:embed="rId2">
+            <a:alphaModFix amt="5000"/>
+          </a:blip>
+          <a:stretch>
+            <a:fillRect/>
+          </a:stretch>
+        </p:blipFill>
+        <p:spPr>
+          <a:xfrm rot="20023087">
+            <a:off x="1269151" y="2014247"/>
+            <a:ext cx="10370342" cy="2125369"/>
+          </a:xfrm>
+          <a:prstGeom prst="rect">
+            <a:avLst/>
+          </a:prstGeom>
+          <a:ln>
+            <a:noFill/>
+          </a:ln>
+          <a:effectLst>
+            <a:softEdge rad="112500"/>
+          </a:effectLst>
+        </p:spPr>
+      </p:pic>
     </p:spTree>
     <p:extLst>
       <p:ext uri="{BB962C8B-B14F-4D97-AF65-F5344CB8AC3E}">
-        <p14:creationId xmlns:p14="http://schemas.microsoft.com/office/powerpoint/2010/main" val="2896944802"/>
+        <p14:creationId xmlns:p14="http://schemas.microsoft.com/office/powerpoint/2010/main" val="4090029713"/>
       </p:ext>
     </p:extLst>
   </p:cSld>
@@ -9015,10 +9474,73 @@
       </p:grpSpPr>
       <p:sp>
         <p:nvSpPr>
+          <p:cNvPr id="3" name="TextBox 2">
+            <a:extLst>
+              <a:ext uri="{FF2B5EF4-FFF2-40B4-BE49-F238E27FC236}">
+                <a16:creationId xmlns:a16="http://schemas.microsoft.com/office/drawing/2014/main" id="{6BEF0214-12BE-AC0C-4800-B88B47CBF33E}"/>
+              </a:ext>
+            </a:extLst>
+          </p:cNvPr>
+          <p:cNvSpPr txBox="1"/>
+          <p:nvPr/>
+        </p:nvSpPr>
+        <p:spPr>
+          <a:xfrm>
+            <a:off x="3049229" y="1859340"/>
+            <a:ext cx="6098458" cy="1200329"/>
+          </a:xfrm>
+          <a:prstGeom prst="rect">
+            <a:avLst/>
+          </a:prstGeom>
+          <a:noFill/>
+        </p:spPr>
+        <p:txBody>
+          <a:bodyPr wrap="square">
+            <a:spAutoFit/>
+          </a:bodyPr>
+          <a:lstStyle/>
+          <a:p>
+            <a:pPr>
+              <a:defRPr/>
+            </a:pPr>
+            <a:r>
+              <a:rPr lang="en-US" dirty="0"/>
+              <a:t>ASW</a:t>
+            </a:r>
+            <a:br>
+              <a:rPr lang="en-US" dirty="0"/>
+            </a:br>
+            <a:r>
+              <a:rPr lang="en-US" dirty="0"/>
+              <a:t>RTE</a:t>
+            </a:r>
+          </a:p>
+          <a:p>
+            <a:pPr>
+              <a:defRPr/>
+            </a:pPr>
+            <a:r>
+              <a:rPr lang="en-US" dirty="0"/>
+              <a:t>BSW </a:t>
+            </a:r>
+          </a:p>
+          <a:p>
+            <a:pPr>
+              <a:defRPr/>
+            </a:pPr>
+            <a:r>
+              <a:rPr lang="en-US" dirty="0"/>
+              <a:t> </a:t>
+            </a:r>
+          </a:p>
+        </p:txBody>
+      </p:sp>
+      <p:sp>
+        <p:nvSpPr>
           <p:cNvPr id="4" name="TextBox 3">
             <a:extLst>
               <a:ext uri="{FF2B5EF4-FFF2-40B4-BE49-F238E27FC236}">
-                <a16:creationId xmlns:a16="http://schemas.microsoft.com/office/drawing/2014/main" id="{08851DE1-71FE-3322-4C81-5A6E00E3EF4C}"/>
+                <a16:creationId xmlns:a16="http://schemas.microsoft.com/office/drawing/2014/main" id="{37996266-A4A2-64ED-47A9-6D8F4074689C}"/>
               </a:ext>
             </a:extLst>
           </p:cNvPr>
@@ -9049,55 +9571,63 @@
           </a:lstStyle>
           <a:p>
             <a:r>
-              <a:rPr lang="en-US" dirty="0"/>
-              <a:t>Secure boot</a:t>
-            </a:r>
-            <a:endParaRPr lang="en-IN" dirty="0"/>
+              <a:rPr lang="en-IN" dirty="0"/>
+              <a:t>AUTOSAR Architecture</a:t>
+            </a:r>
           </a:p>
         </p:txBody>
       </p:sp>
       <p:pic>
         <p:nvPicPr>
-          <p:cNvPr id="5" name="Picture 4" descr="Text, logo&#10;&#10;Description automatically generated">
+          <p:cNvPr id="1026" name="Picture 2" descr="Hardware security modules unleash AUTOSAR - EDN">
             <a:extLst>
               <a:ext uri="{FF2B5EF4-FFF2-40B4-BE49-F238E27FC236}">
-                <a16:creationId xmlns:a16="http://schemas.microsoft.com/office/drawing/2014/main" id="{DA7ECBEC-CCD9-0673-F5A7-383786314274}"/>
+                <a16:creationId xmlns:a16="http://schemas.microsoft.com/office/drawing/2014/main" id="{504AAB93-904C-3036-B9B2-596D03FDBFB7}"/>
               </a:ext>
             </a:extLst>
           </p:cNvPr>
           <p:cNvPicPr>
-            <a:picLocks noChangeAspect="1"/>
+            <a:picLocks noChangeAspect="1" noChangeArrowheads="1"/>
           </p:cNvPicPr>
           <p:nvPr/>
         </p:nvPicPr>
         <p:blipFill>
           <a:blip r:embed="rId2">
-            <a:alphaModFix amt="5000"/>
+            <a:extLst>
+              <a:ext uri="{28A0092B-C50C-407E-A947-70E740481C1C}">
+                <a14:useLocalDpi xmlns:a14="http://schemas.microsoft.com/office/drawing/2010/main" val="0"/>
+              </a:ext>
+            </a:extLst>
           </a:blip>
+          <a:srcRect/>
           <a:stretch>
             <a:fillRect/>
           </a:stretch>
         </p:blipFill>
-        <p:spPr>
-          <a:xfrm rot="20023087">
-            <a:off x="1269151" y="2031025"/>
-            <a:ext cx="10370342" cy="2125369"/>
-          </a:xfrm>
-          <a:prstGeom prst="rect">
-            <a:avLst/>
-          </a:prstGeom>
-          <a:ln>
-            <a:noFill/>
-          </a:ln>
-          <a:effectLst>
-            <a:softEdge rad="112500"/>
-          </a:effectLst>
+        <p:spPr bwMode="auto">
+          <a:xfrm>
+            <a:off x="1341335" y="2610464"/>
+            <a:ext cx="7939087" cy="4247536"/>
+          </a:xfrm>
+          <a:prstGeom prst="rect">
+            <a:avLst/>
+          </a:prstGeom>
+          <a:noFill/>
+          <a:extLst>
+            <a:ext uri="{909E8E84-426E-40DD-AFC4-6F175D3DCCD1}">
+              <a14:hiddenFill xmlns:a14="http://schemas.microsoft.com/office/drawing/2010/main">
+                <a:solidFill>
+                  <a:srgbClr val="FFFFFF"/>
+                </a:solidFill>
+              </a14:hiddenFill>
+            </a:ext>
+          </a:extLst>
         </p:spPr>
       </p:pic>
     </p:spTree>
     <p:extLst>
       <p:ext uri="{BB962C8B-B14F-4D97-AF65-F5344CB8AC3E}">
-        <p14:creationId xmlns:p14="http://schemas.microsoft.com/office/powerpoint/2010/main" val="3516328280"/>
+        <p14:creationId xmlns:p14="http://schemas.microsoft.com/office/powerpoint/2010/main" val="664845434"/>
       </p:ext>
     </p:extLst>
   </p:cSld>
@@ -9126,10 +9656,10 @@
       </p:grpSpPr>
       <p:sp>
         <p:nvSpPr>
-          <p:cNvPr id="2" name="TextBox 1">
+          <p:cNvPr id="3" name="TextBox 2">
             <a:extLst>
               <a:ext uri="{FF2B5EF4-FFF2-40B4-BE49-F238E27FC236}">
-                <a16:creationId xmlns:a16="http://schemas.microsoft.com/office/drawing/2014/main" id="{D76189C6-73B7-5EBB-8296-638B9673090D}"/>
+                <a16:creationId xmlns:a16="http://schemas.microsoft.com/office/drawing/2014/main" id="{DD1F0450-29AB-08D4-F6D1-A0CB447135E8}"/>
               </a:ext>
             </a:extLst>
           </p:cNvPr>
@@ -9138,8 +9668,8 @@
         </p:nvSpPr>
         <p:spPr>
           <a:xfrm>
-            <a:off x="1394669" y="1567984"/>
-            <a:ext cx="6094602" cy="2308324"/>
+            <a:off x="1730230" y="1639750"/>
+            <a:ext cx="6094602" cy="3046988"/>
           </a:xfrm>
           <a:prstGeom prst="rect">
             <a:avLst/>
@@ -9152,83 +9682,78 @@
           </a:bodyPr>
           <a:lstStyle/>
           <a:p>
+            <a:r>
+              <a:rPr lang="en-IN" sz="1200" dirty="0"/>
+              <a:t>	SecOC</a:t>
+            </a:r>
+          </a:p>
+          <a:p>
+            <a:endParaRPr lang="en-IN" sz="1200" dirty="0"/>
+          </a:p>
+          <a:p>
+            <a:endParaRPr lang="en-IN" sz="1200" dirty="0"/>
+          </a:p>
+          <a:p>
+            <a:br>
+              <a:rPr lang="en-IN" sz="1200" dirty="0"/>
+            </a:br>
+            <a:r>
+              <a:rPr lang="en-IN" sz="1200" dirty="0"/>
+              <a:t>	CSM</a:t>
+            </a:r>
+          </a:p>
+          <a:p>
+            <a:endParaRPr lang="en-IN" sz="1200" dirty="0"/>
+          </a:p>
+          <a:p>
+            <a:endParaRPr lang="en-IN" sz="1200" dirty="0"/>
+          </a:p>
+          <a:p>
+            <a:endParaRPr lang="en-IN" sz="1200" dirty="0"/>
+          </a:p>
+          <a:p>
+            <a:endParaRPr lang="en-IN" sz="1200" dirty="0"/>
+          </a:p>
+          <a:p>
+            <a:r>
+              <a:rPr lang="en-IN" sz="1200" dirty="0"/>
+              <a:t>	CRY</a:t>
+            </a:r>
+          </a:p>
+          <a:p>
+            <a:endParaRPr lang="en-IN" sz="1200" dirty="0"/>
+          </a:p>
+          <a:p>
+            <a:endParaRPr lang="en-IN" sz="1200" dirty="0"/>
+          </a:p>
+          <a:p>
+            <a:endParaRPr lang="en-IN" sz="1200" dirty="0"/>
+          </a:p>
+          <a:p>
+            <a:endParaRPr lang="en-IN" sz="1200" dirty="0"/>
+          </a:p>
+          <a:p>
             <a:pPr lvl="1"/>
-            <a:br>
-              <a:rPr lang="en-IN" dirty="0"/>
-            </a:br>
-            <a:r>
-              <a:rPr lang="en-IN" dirty="0"/>
-              <a:t>        	</a:t>
-            </a:r>
-          </a:p>
-          <a:p>
-            <a:pPr marL="742950" lvl="1" indent="-285750">
-              <a:buFont typeface="Wingdings" panose="05000000000000000000" pitchFamily="2" charset="2"/>
-              <a:buChar char="Ø"/>
-            </a:pPr>
-            <a:r>
-              <a:rPr lang="en-IN" dirty="0"/>
-              <a:t>Injection</a:t>
-            </a:r>
-          </a:p>
-          <a:p>
-            <a:pPr marL="742950" lvl="1" indent="-285750">
-              <a:buFont typeface="Wingdings" panose="05000000000000000000" pitchFamily="2" charset="2"/>
-              <a:buChar char="Ø"/>
-            </a:pPr>
-            <a:r>
-              <a:rPr lang="en-IN" dirty="0"/>
-              <a:t>Sniffing/Eavesdrop</a:t>
-            </a:r>
-          </a:p>
-          <a:p>
-            <a:pPr marL="742950" lvl="1" indent="-285750">
-              <a:buFont typeface="Wingdings" panose="05000000000000000000" pitchFamily="2" charset="2"/>
-              <a:buChar char="Ø"/>
-            </a:pPr>
-            <a:r>
-              <a:rPr lang="en-IN" dirty="0"/>
-              <a:t>Denial Of Service</a:t>
-            </a:r>
-          </a:p>
-          <a:p>
-            <a:pPr marL="742950" lvl="1" indent="-285750">
-              <a:buFont typeface="Wingdings" panose="05000000000000000000" pitchFamily="2" charset="2"/>
-              <a:buChar char="Ø"/>
-            </a:pPr>
-            <a:r>
-              <a:rPr lang="en-IN" dirty="0"/>
-              <a:t>Fuzzing</a:t>
-            </a:r>
-          </a:p>
-          <a:p>
-            <a:pPr marL="742950" lvl="1" indent="-285750">
-              <a:buFont typeface="Wingdings" panose="05000000000000000000" pitchFamily="2" charset="2"/>
-              <a:buChar char="Ø"/>
-            </a:pPr>
-            <a:r>
-              <a:rPr lang="en-IN" dirty="0"/>
-              <a:t>Replay</a:t>
-            </a:r>
-          </a:p>
-          <a:p>
-            <a:pPr marL="742950" lvl="1" indent="-285750">
-              <a:buFont typeface="Wingdings" panose="05000000000000000000" pitchFamily="2" charset="2"/>
-              <a:buChar char="Ø"/>
-            </a:pPr>
-            <a:r>
-              <a:rPr lang="en-IN" dirty="0"/>
-              <a:t>Impersonation</a:t>
+            <a:r>
+              <a:rPr lang="en-IN" sz="1200" dirty="0"/>
+              <a:t>	</a:t>
+            </a:r>
+          </a:p>
+          <a:p>
+            <a:pPr lvl="1"/>
+            <a:r>
+              <a:rPr lang="en-IN" sz="1200" dirty="0"/>
+              <a:t>CRIF</a:t>
             </a:r>
           </a:p>
         </p:txBody>
       </p:sp>
       <p:sp>
         <p:nvSpPr>
-          <p:cNvPr id="3" name="TextBox 2">
+          <p:cNvPr id="4" name="TextBox 3">
             <a:extLst>
               <a:ext uri="{FF2B5EF4-FFF2-40B4-BE49-F238E27FC236}">
-                <a16:creationId xmlns:a16="http://schemas.microsoft.com/office/drawing/2014/main" id="{21D7CBBB-5F8B-FBAC-CF66-D9993B03D78E}"/>
+                <a16:creationId xmlns:a16="http://schemas.microsoft.com/office/drawing/2014/main" id="{4B2372C2-72FE-A331-893C-FA482142119B}"/>
               </a:ext>
             </a:extLst>
           </p:cNvPr>
@@ -9259,18 +9784,19 @@
           </a:lstStyle>
           <a:p>
             <a:r>
-              <a:rPr lang="en-IN" dirty="0"/>
-              <a:t>Types of Attacks</a:t>
-            </a:r>
+              <a:rPr lang="en-US" dirty="0"/>
+              <a:t>Overview of AUTOSAR crypto stack</a:t>
+            </a:r>
+            <a:endParaRPr lang="en-IN" dirty="0"/>
           </a:p>
         </p:txBody>
       </p:sp>
       <p:pic>
         <p:nvPicPr>
-          <p:cNvPr id="4" name="Picture 3" descr="Text, logo&#10;&#10;Description automatically generated">
+          <p:cNvPr id="5" name="Picture 4" descr="Text, logo&#10;&#10;Description automatically generated">
             <a:extLst>
               <a:ext uri="{FF2B5EF4-FFF2-40B4-BE49-F238E27FC236}">
-                <a16:creationId xmlns:a16="http://schemas.microsoft.com/office/drawing/2014/main" id="{75A7A7D6-CFF4-C7AC-450D-D3C243627080}"/>
+                <a16:creationId xmlns:a16="http://schemas.microsoft.com/office/drawing/2014/main" id="{D337F30E-618C-911F-F36A-7B99D6B9B055}"/>
               </a:ext>
             </a:extLst>
           </p:cNvPr>
@@ -9289,7 +9815,7 @@
         </p:blipFill>
         <p:spPr>
           <a:xfrm rot="20023087">
-            <a:off x="1269151" y="2031025"/>
+            <a:off x="1269151" y="2039414"/>
             <a:ext cx="10370342" cy="2125369"/>
           </a:xfrm>
           <a:prstGeom prst="rect">
@@ -9306,7 +9832,7 @@
     </p:spTree>
     <p:extLst>
       <p:ext uri="{BB962C8B-B14F-4D97-AF65-F5344CB8AC3E}">
-        <p14:creationId xmlns:p14="http://schemas.microsoft.com/office/powerpoint/2010/main" val="3149402543"/>
+        <p14:creationId xmlns:p14="http://schemas.microsoft.com/office/powerpoint/2010/main" val="2896944802"/>
       </p:ext>
     </p:extLst>
   </p:cSld>
@@ -9335,10 +9861,10 @@
       </p:grpSpPr>
       <p:sp>
         <p:nvSpPr>
-          <p:cNvPr id="2" name="TextBox 1">
+          <p:cNvPr id="4" name="TextBox 3">
             <a:extLst>
               <a:ext uri="{FF2B5EF4-FFF2-40B4-BE49-F238E27FC236}">
-                <a16:creationId xmlns:a16="http://schemas.microsoft.com/office/drawing/2014/main" id="{EFE043F1-6919-9864-B560-5C177F22C532}"/>
+                <a16:creationId xmlns:a16="http://schemas.microsoft.com/office/drawing/2014/main" id="{08851DE1-71FE-3322-4C81-5A6E00E3EF4C}"/>
               </a:ext>
             </a:extLst>
           </p:cNvPr>
@@ -9369,18 +9895,19 @@
           </a:lstStyle>
           <a:p>
             <a:r>
-              <a:rPr lang="en-IN" dirty="0"/>
-              <a:t>Sniffing/Eavesdrop</a:t>
-            </a:r>
+              <a:rPr lang="en-US" dirty="0"/>
+              <a:t>Secure boot</a:t>
+            </a:r>
+            <a:endParaRPr lang="en-IN" dirty="0"/>
           </a:p>
         </p:txBody>
       </p:sp>
       <p:pic>
         <p:nvPicPr>
-          <p:cNvPr id="4" name="Picture 3" descr="Text, logo&#10;&#10;Description automatically generated">
+          <p:cNvPr id="5" name="Picture 4" descr="Text, logo&#10;&#10;Description automatically generated">
             <a:extLst>
               <a:ext uri="{FF2B5EF4-FFF2-40B4-BE49-F238E27FC236}">
-                <a16:creationId xmlns:a16="http://schemas.microsoft.com/office/drawing/2014/main" id="{45E0CCBD-F8B7-CE94-F5A7-87C044336FDF}"/>
+                <a16:creationId xmlns:a16="http://schemas.microsoft.com/office/drawing/2014/main" id="{DA7ECBEC-CCD9-0673-F5A7-383786314274}"/>
               </a:ext>
             </a:extLst>
           </p:cNvPr>
@@ -9416,7 +9943,7 @@
     </p:spTree>
     <p:extLst>
       <p:ext uri="{BB962C8B-B14F-4D97-AF65-F5344CB8AC3E}">
-        <p14:creationId xmlns:p14="http://schemas.microsoft.com/office/powerpoint/2010/main" val="1936076485"/>
+        <p14:creationId xmlns:p14="http://schemas.microsoft.com/office/powerpoint/2010/main" val="3516328280"/>
       </p:ext>
     </p:extLst>
   </p:cSld>
@@ -9448,7 +9975,106 @@
           <p:cNvPr id="2" name="TextBox 1">
             <a:extLst>
               <a:ext uri="{FF2B5EF4-FFF2-40B4-BE49-F238E27FC236}">
-                <a16:creationId xmlns:a16="http://schemas.microsoft.com/office/drawing/2014/main" id="{C87610C6-4550-F6EC-B5E1-CE145861AED9}"/>
+                <a16:creationId xmlns:a16="http://schemas.microsoft.com/office/drawing/2014/main" id="{D76189C6-73B7-5EBB-8296-638B9673090D}"/>
+              </a:ext>
+            </a:extLst>
+          </p:cNvPr>
+          <p:cNvSpPr txBox="1"/>
+          <p:nvPr/>
+        </p:nvSpPr>
+        <p:spPr>
+          <a:xfrm>
+            <a:off x="1394669" y="1567984"/>
+            <a:ext cx="6094602" cy="2308324"/>
+          </a:xfrm>
+          <a:prstGeom prst="rect">
+            <a:avLst/>
+          </a:prstGeom>
+          <a:noFill/>
+        </p:spPr>
+        <p:txBody>
+          <a:bodyPr wrap="square">
+            <a:spAutoFit/>
+          </a:bodyPr>
+          <a:lstStyle/>
+          <a:p>
+            <a:pPr lvl="1"/>
+            <a:br>
+              <a:rPr lang="en-IN" dirty="0"/>
+            </a:br>
+            <a:r>
+              <a:rPr lang="en-IN" dirty="0"/>
+              <a:t>        	</a:t>
+            </a:r>
+          </a:p>
+          <a:p>
+            <a:pPr marL="742950" lvl="1" indent="-285750">
+              <a:buFont typeface="Wingdings" panose="05000000000000000000" pitchFamily="2" charset="2"/>
+              <a:buChar char="Ø"/>
+            </a:pPr>
+            <a:r>
+              <a:rPr lang="en-IN" dirty="0"/>
+              <a:t>Injection</a:t>
+            </a:r>
+          </a:p>
+          <a:p>
+            <a:pPr marL="742950" lvl="1" indent="-285750">
+              <a:buFont typeface="Wingdings" panose="05000000000000000000" pitchFamily="2" charset="2"/>
+              <a:buChar char="Ø"/>
+            </a:pPr>
+            <a:r>
+              <a:rPr lang="en-IN" dirty="0"/>
+              <a:t>Sniffing/Eavesdrop</a:t>
+            </a:r>
+          </a:p>
+          <a:p>
+            <a:pPr marL="742950" lvl="1" indent="-285750">
+              <a:buFont typeface="Wingdings" panose="05000000000000000000" pitchFamily="2" charset="2"/>
+              <a:buChar char="Ø"/>
+            </a:pPr>
+            <a:r>
+              <a:rPr lang="en-IN" dirty="0"/>
+              <a:t>Denial Of Service</a:t>
+            </a:r>
+          </a:p>
+          <a:p>
+            <a:pPr marL="742950" lvl="1" indent="-285750">
+              <a:buFont typeface="Wingdings" panose="05000000000000000000" pitchFamily="2" charset="2"/>
+              <a:buChar char="Ø"/>
+            </a:pPr>
+            <a:r>
+              <a:rPr lang="en-IN" dirty="0"/>
+              <a:t>Fuzzing</a:t>
+            </a:r>
+          </a:p>
+          <a:p>
+            <a:pPr marL="742950" lvl="1" indent="-285750">
+              <a:buFont typeface="Wingdings" panose="05000000000000000000" pitchFamily="2" charset="2"/>
+              <a:buChar char="Ø"/>
+            </a:pPr>
+            <a:r>
+              <a:rPr lang="en-IN" dirty="0"/>
+              <a:t>Replay</a:t>
+            </a:r>
+          </a:p>
+          <a:p>
+            <a:pPr marL="742950" lvl="1" indent="-285750">
+              <a:buFont typeface="Wingdings" panose="05000000000000000000" pitchFamily="2" charset="2"/>
+              <a:buChar char="Ø"/>
+            </a:pPr>
+            <a:r>
+              <a:rPr lang="en-IN" dirty="0"/>
+              <a:t>Impersonation</a:t>
+            </a:r>
+          </a:p>
+        </p:txBody>
+      </p:sp>
+      <p:sp>
+        <p:nvSpPr>
+          <p:cNvPr id="3" name="TextBox 2">
+            <a:extLst>
+              <a:ext uri="{FF2B5EF4-FFF2-40B4-BE49-F238E27FC236}">
+                <a16:creationId xmlns:a16="http://schemas.microsoft.com/office/drawing/2014/main" id="{21D7CBBB-5F8B-FBAC-CF66-D9993B03D78E}"/>
               </a:ext>
             </a:extLst>
           </p:cNvPr>
@@ -9480,7 +10106,7 @@
           <a:p>
             <a:r>
               <a:rPr lang="en-IN" dirty="0"/>
-              <a:t>Injection</a:t>
+              <a:t>Types of Attacks</a:t>
             </a:r>
           </a:p>
         </p:txBody>
@@ -9490,7 +10116,7 @@
           <p:cNvPr id="4" name="Picture 3" descr="Text, logo&#10;&#10;Description automatically generated">
             <a:extLst>
               <a:ext uri="{FF2B5EF4-FFF2-40B4-BE49-F238E27FC236}">
-                <a16:creationId xmlns:a16="http://schemas.microsoft.com/office/drawing/2014/main" id="{03EC9C79-66DC-6732-C3C6-12DB97EFF152}"/>
+                <a16:creationId xmlns:a16="http://schemas.microsoft.com/office/drawing/2014/main" id="{75A7A7D6-CFF4-C7AC-450D-D3C243627080}"/>
               </a:ext>
             </a:extLst>
           </p:cNvPr>
@@ -9526,7 +10152,7 @@
     </p:spTree>
     <p:extLst>
       <p:ext uri="{BB962C8B-B14F-4D97-AF65-F5344CB8AC3E}">
-        <p14:creationId xmlns:p14="http://schemas.microsoft.com/office/powerpoint/2010/main" val="1253191654"/>
+        <p14:creationId xmlns:p14="http://schemas.microsoft.com/office/powerpoint/2010/main" val="3149402543"/>
       </p:ext>
     </p:extLst>
   </p:cSld>
@@ -9555,10 +10181,10 @@
       </p:grpSpPr>
       <p:sp>
         <p:nvSpPr>
-          <p:cNvPr id="3" name="TextBox 2">
+          <p:cNvPr id="2" name="TextBox 1">
             <a:extLst>
               <a:ext uri="{FF2B5EF4-FFF2-40B4-BE49-F238E27FC236}">
-                <a16:creationId xmlns:a16="http://schemas.microsoft.com/office/drawing/2014/main" id="{DC64C135-E16E-0076-4277-35A0FCD8EE0C}"/>
+                <a16:creationId xmlns:a16="http://schemas.microsoft.com/office/drawing/2014/main" id="{EFE043F1-6919-9864-B560-5C177F22C532}"/>
               </a:ext>
             </a:extLst>
           </p:cNvPr>
@@ -9590,7 +10216,7 @@
           <a:p>
             <a:r>
               <a:rPr lang="en-IN" dirty="0"/>
-              <a:t>Denial Of Service</a:t>
+              <a:t>Sniffing/Eavesdrop</a:t>
             </a:r>
           </a:p>
         </p:txBody>
@@ -9600,7 +10226,7 @@
           <p:cNvPr id="4" name="Picture 3" descr="Text, logo&#10;&#10;Description automatically generated">
             <a:extLst>
               <a:ext uri="{FF2B5EF4-FFF2-40B4-BE49-F238E27FC236}">
-                <a16:creationId xmlns:a16="http://schemas.microsoft.com/office/drawing/2014/main" id="{F0F3A128-2AB9-AC39-D521-15E4E4BA10A5}"/>
+                <a16:creationId xmlns:a16="http://schemas.microsoft.com/office/drawing/2014/main" id="{45E0CCBD-F8B7-CE94-F5A7-87C044336FDF}"/>
               </a:ext>
             </a:extLst>
           </p:cNvPr>
@@ -9636,7 +10262,7 @@
     </p:spTree>
     <p:extLst>
       <p:ext uri="{BB962C8B-B14F-4D97-AF65-F5344CB8AC3E}">
-        <p14:creationId xmlns:p14="http://schemas.microsoft.com/office/powerpoint/2010/main" val="2041690167"/>
+        <p14:creationId xmlns:p14="http://schemas.microsoft.com/office/powerpoint/2010/main" val="1936076485"/>
       </p:ext>
     </p:extLst>
   </p:cSld>
@@ -9665,10 +10291,10 @@
       </p:grpSpPr>
       <p:sp>
         <p:nvSpPr>
-          <p:cNvPr id="3" name="TextBox 2">
+          <p:cNvPr id="2" name="TextBox 1">
             <a:extLst>
               <a:ext uri="{FF2B5EF4-FFF2-40B4-BE49-F238E27FC236}">
-                <a16:creationId xmlns:a16="http://schemas.microsoft.com/office/drawing/2014/main" id="{627AC68C-9B51-9F14-B7DB-D8EB86D0BDAF}"/>
+                <a16:creationId xmlns:a16="http://schemas.microsoft.com/office/drawing/2014/main" id="{C87610C6-4550-F6EC-B5E1-CE145861AED9}"/>
               </a:ext>
             </a:extLst>
           </p:cNvPr>
@@ -9700,7 +10326,7 @@
           <a:p>
             <a:r>
               <a:rPr lang="en-IN" dirty="0"/>
-              <a:t>Fuzzing</a:t>
+              <a:t>Injection</a:t>
             </a:r>
           </a:p>
         </p:txBody>
@@ -9710,7 +10336,7 @@
           <p:cNvPr id="4" name="Picture 3" descr="Text, logo&#10;&#10;Description automatically generated">
             <a:extLst>
               <a:ext uri="{FF2B5EF4-FFF2-40B4-BE49-F238E27FC236}">
-                <a16:creationId xmlns:a16="http://schemas.microsoft.com/office/drawing/2014/main" id="{FBF056FC-0634-E254-8BE4-4EEECD219CAD}"/>
+                <a16:creationId xmlns:a16="http://schemas.microsoft.com/office/drawing/2014/main" id="{03EC9C79-66DC-6732-C3C6-12DB97EFF152}"/>
               </a:ext>
             </a:extLst>
           </p:cNvPr>
@@ -9746,7 +10372,7 @@
     </p:spTree>
     <p:extLst>
       <p:ext uri="{BB962C8B-B14F-4D97-AF65-F5344CB8AC3E}">
-        <p14:creationId xmlns:p14="http://schemas.microsoft.com/office/powerpoint/2010/main" val="827131791"/>
+        <p14:creationId xmlns:p14="http://schemas.microsoft.com/office/powerpoint/2010/main" val="1253191654"/>
       </p:ext>
     </p:extLst>
   </p:cSld>
@@ -9775,49 +10401,10 @@
       </p:grpSpPr>
       <p:sp>
         <p:nvSpPr>
-          <p:cNvPr id="2" name="TextBox 1">
-            <a:extLst>
-              <a:ext uri="{FF2B5EF4-FFF2-40B4-BE49-F238E27FC236}">
-                <a16:creationId xmlns:a16="http://schemas.microsoft.com/office/drawing/2014/main" id="{B38A74AB-D385-6685-76A1-6AC1C667D865}"/>
-              </a:ext>
-            </a:extLst>
-          </p:cNvPr>
-          <p:cNvSpPr txBox="1"/>
-          <p:nvPr/>
-        </p:nvSpPr>
-        <p:spPr>
-          <a:xfrm>
-            <a:off x="1394669" y="1567984"/>
-            <a:ext cx="6094602" cy="646331"/>
-          </a:xfrm>
-          <a:prstGeom prst="rect">
-            <a:avLst/>
-          </a:prstGeom>
-          <a:noFill/>
-        </p:spPr>
-        <p:txBody>
-          <a:bodyPr wrap="square">
-            <a:spAutoFit/>
-          </a:bodyPr>
-          <a:lstStyle/>
-          <a:p>
-            <a:pPr lvl="1"/>
-            <a:br>
-              <a:rPr lang="en-IN" dirty="0"/>
-            </a:br>
-            <a:r>
-              <a:rPr lang="en-IN" dirty="0"/>
-              <a:t>        	</a:t>
-            </a:r>
-          </a:p>
-        </p:txBody>
-      </p:sp>
-      <p:sp>
-        <p:nvSpPr>
           <p:cNvPr id="3" name="TextBox 2">
             <a:extLst>
               <a:ext uri="{FF2B5EF4-FFF2-40B4-BE49-F238E27FC236}">
-                <a16:creationId xmlns:a16="http://schemas.microsoft.com/office/drawing/2014/main" id="{D703A08B-5758-2C2B-1172-68C39488E62B}"/>
+                <a16:creationId xmlns:a16="http://schemas.microsoft.com/office/drawing/2014/main" id="{DC64C135-E16E-0076-4277-35A0FCD8EE0C}"/>
               </a:ext>
             </a:extLst>
           </p:cNvPr>
@@ -9849,7 +10436,7 @@
           <a:p>
             <a:r>
               <a:rPr lang="en-IN" dirty="0"/>
-              <a:t>Replay</a:t>
+              <a:t>Denial Of Service</a:t>
             </a:r>
           </a:p>
         </p:txBody>
@@ -9859,7 +10446,7 @@
           <p:cNvPr id="4" name="Picture 3" descr="Text, logo&#10;&#10;Description automatically generated">
             <a:extLst>
               <a:ext uri="{FF2B5EF4-FFF2-40B4-BE49-F238E27FC236}">
-                <a16:creationId xmlns:a16="http://schemas.microsoft.com/office/drawing/2014/main" id="{CE535B18-08E3-5232-54AC-D47C2F99478B}"/>
+                <a16:creationId xmlns:a16="http://schemas.microsoft.com/office/drawing/2014/main" id="{F0F3A128-2AB9-AC39-D521-15E4E4BA10A5}"/>
               </a:ext>
             </a:extLst>
           </p:cNvPr>
@@ -9895,7 +10482,7 @@
     </p:spTree>
     <p:extLst>
       <p:ext uri="{BB962C8B-B14F-4D97-AF65-F5344CB8AC3E}">
-        <p14:creationId xmlns:p14="http://schemas.microsoft.com/office/powerpoint/2010/main" val="406699535"/>
+        <p14:creationId xmlns:p14="http://schemas.microsoft.com/office/powerpoint/2010/main" val="2041690167"/>
       </p:ext>
     </p:extLst>
   </p:cSld>
@@ -12559,49 +13146,10 @@
       </p:grpSpPr>
       <p:sp>
         <p:nvSpPr>
-          <p:cNvPr id="2" name="TextBox 1">
-            <a:extLst>
-              <a:ext uri="{FF2B5EF4-FFF2-40B4-BE49-F238E27FC236}">
-                <a16:creationId xmlns:a16="http://schemas.microsoft.com/office/drawing/2014/main" id="{B38A74AB-D385-6685-76A1-6AC1C667D865}"/>
-              </a:ext>
-            </a:extLst>
-          </p:cNvPr>
-          <p:cNvSpPr txBox="1"/>
-          <p:nvPr/>
-        </p:nvSpPr>
-        <p:spPr>
-          <a:xfrm>
-            <a:off x="1394669" y="1567984"/>
-            <a:ext cx="6094602" cy="646331"/>
-          </a:xfrm>
-          <a:prstGeom prst="rect">
-            <a:avLst/>
-          </a:prstGeom>
-          <a:noFill/>
-        </p:spPr>
-        <p:txBody>
-          <a:bodyPr wrap="square">
-            <a:spAutoFit/>
-          </a:bodyPr>
-          <a:lstStyle/>
-          <a:p>
-            <a:pPr lvl="1"/>
-            <a:br>
-              <a:rPr lang="en-IN" dirty="0"/>
-            </a:br>
-            <a:r>
-              <a:rPr lang="en-IN" dirty="0"/>
-              <a:t>        	</a:t>
-            </a:r>
-          </a:p>
-        </p:txBody>
-      </p:sp>
-      <p:sp>
-        <p:nvSpPr>
           <p:cNvPr id="3" name="TextBox 2">
             <a:extLst>
               <a:ext uri="{FF2B5EF4-FFF2-40B4-BE49-F238E27FC236}">
-                <a16:creationId xmlns:a16="http://schemas.microsoft.com/office/drawing/2014/main" id="{D703A08B-5758-2C2B-1172-68C39488E62B}"/>
+                <a16:creationId xmlns:a16="http://schemas.microsoft.com/office/drawing/2014/main" id="{627AC68C-9B51-9F14-B7DB-D8EB86D0BDAF}"/>
               </a:ext>
             </a:extLst>
           </p:cNvPr>
@@ -12633,7 +13181,7 @@
           <a:p>
             <a:r>
               <a:rPr lang="en-IN" dirty="0"/>
-              <a:t>Impersonation</a:t>
+              <a:t>Fuzzing</a:t>
             </a:r>
           </a:p>
         </p:txBody>
@@ -12643,7 +13191,7 @@
           <p:cNvPr id="4" name="Picture 3" descr="Text, logo&#10;&#10;Description automatically generated">
             <a:extLst>
               <a:ext uri="{FF2B5EF4-FFF2-40B4-BE49-F238E27FC236}">
-                <a16:creationId xmlns:a16="http://schemas.microsoft.com/office/drawing/2014/main" id="{870BC349-3DF4-7ABE-80A5-2417E912008E}"/>
+                <a16:creationId xmlns:a16="http://schemas.microsoft.com/office/drawing/2014/main" id="{FBF056FC-0634-E254-8BE4-4EEECD219CAD}"/>
               </a:ext>
             </a:extLst>
           </p:cNvPr>
@@ -12662,7 +13210,7 @@
         </p:blipFill>
         <p:spPr>
           <a:xfrm rot="20023087">
-            <a:off x="1269151" y="2040261"/>
+            <a:off x="1269151" y="2031025"/>
             <a:ext cx="10370342" cy="2125369"/>
           </a:xfrm>
           <a:prstGeom prst="rect">
@@ -12679,7 +13227,7 @@
     </p:spTree>
     <p:extLst>
       <p:ext uri="{BB962C8B-B14F-4D97-AF65-F5344CB8AC3E}">
-        <p14:creationId xmlns:p14="http://schemas.microsoft.com/office/powerpoint/2010/main" val="1498716509"/>
+        <p14:creationId xmlns:p14="http://schemas.microsoft.com/office/powerpoint/2010/main" val="827131791"/>
       </p:ext>
     </p:extLst>
   </p:cSld>
@@ -12708,6 +13256,439 @@
       </p:grpSpPr>
       <p:sp>
         <p:nvSpPr>
+          <p:cNvPr id="2" name="TextBox 1">
+            <a:extLst>
+              <a:ext uri="{FF2B5EF4-FFF2-40B4-BE49-F238E27FC236}">
+                <a16:creationId xmlns:a16="http://schemas.microsoft.com/office/drawing/2014/main" id="{B38A74AB-D385-6685-76A1-6AC1C667D865}"/>
+              </a:ext>
+            </a:extLst>
+          </p:cNvPr>
+          <p:cNvSpPr txBox="1"/>
+          <p:nvPr/>
+        </p:nvSpPr>
+        <p:spPr>
+          <a:xfrm>
+            <a:off x="1394669" y="1567984"/>
+            <a:ext cx="6094602" cy="646331"/>
+          </a:xfrm>
+          <a:prstGeom prst="rect">
+            <a:avLst/>
+          </a:prstGeom>
+          <a:noFill/>
+        </p:spPr>
+        <p:txBody>
+          <a:bodyPr wrap="square">
+            <a:spAutoFit/>
+          </a:bodyPr>
+          <a:lstStyle/>
+          <a:p>
+            <a:pPr lvl="1"/>
+            <a:br>
+              <a:rPr lang="en-IN" dirty="0"/>
+            </a:br>
+            <a:r>
+              <a:rPr lang="en-IN" dirty="0"/>
+              <a:t>        	</a:t>
+            </a:r>
+          </a:p>
+        </p:txBody>
+      </p:sp>
+      <p:sp>
+        <p:nvSpPr>
+          <p:cNvPr id="3" name="TextBox 2">
+            <a:extLst>
+              <a:ext uri="{FF2B5EF4-FFF2-40B4-BE49-F238E27FC236}">
+                <a16:creationId xmlns:a16="http://schemas.microsoft.com/office/drawing/2014/main" id="{D703A08B-5758-2C2B-1172-68C39488E62B}"/>
+              </a:ext>
+            </a:extLst>
+          </p:cNvPr>
+          <p:cNvSpPr txBox="1"/>
+          <p:nvPr/>
+        </p:nvSpPr>
+        <p:spPr>
+          <a:xfrm>
+            <a:off x="1122793" y="348734"/>
+            <a:ext cx="8639175" cy="369332"/>
+          </a:xfrm>
+          <a:prstGeom prst="rect">
+            <a:avLst/>
+          </a:prstGeom>
+          <a:noFill/>
+        </p:spPr>
+        <p:txBody>
+          <a:bodyPr wrap="square">
+            <a:spAutoFit/>
+          </a:bodyPr>
+          <a:lstStyle>
+            <a:defPPr>
+              <a:defRPr lang="en-US"/>
+            </a:defPPr>
+            <a:lvl1pPr>
+              <a:defRPr b="1"/>
+            </a:lvl1pPr>
+          </a:lstStyle>
+          <a:p>
+            <a:r>
+              <a:rPr lang="en-IN" dirty="0"/>
+              <a:t>Replay</a:t>
+            </a:r>
+          </a:p>
+        </p:txBody>
+      </p:sp>
+      <p:pic>
+        <p:nvPicPr>
+          <p:cNvPr id="4" name="Picture 3" descr="Text, logo&#10;&#10;Description automatically generated">
+            <a:extLst>
+              <a:ext uri="{FF2B5EF4-FFF2-40B4-BE49-F238E27FC236}">
+                <a16:creationId xmlns:a16="http://schemas.microsoft.com/office/drawing/2014/main" id="{CE535B18-08E3-5232-54AC-D47C2F99478B}"/>
+              </a:ext>
+            </a:extLst>
+          </p:cNvPr>
+          <p:cNvPicPr>
+            <a:picLocks noChangeAspect="1"/>
+          </p:cNvPicPr>
+          <p:nvPr/>
+        </p:nvPicPr>
+        <p:blipFill>
+          <a:blip r:embed="rId2">
+            <a:alphaModFix amt="5000"/>
+          </a:blip>
+          <a:stretch>
+            <a:fillRect/>
+          </a:stretch>
+        </p:blipFill>
+        <p:spPr>
+          <a:xfrm rot="20023087">
+            <a:off x="1269151" y="2031025"/>
+            <a:ext cx="10370342" cy="2125369"/>
+          </a:xfrm>
+          <a:prstGeom prst="rect">
+            <a:avLst/>
+          </a:prstGeom>
+          <a:ln>
+            <a:noFill/>
+          </a:ln>
+          <a:effectLst>
+            <a:softEdge rad="112500"/>
+          </a:effectLst>
+        </p:spPr>
+      </p:pic>
+    </p:spTree>
+    <p:extLst>
+      <p:ext uri="{BB962C8B-B14F-4D97-AF65-F5344CB8AC3E}">
+        <p14:creationId xmlns:p14="http://schemas.microsoft.com/office/powerpoint/2010/main" val="406699535"/>
+      </p:ext>
+    </p:extLst>
+  </p:cSld>
+  <p:clrMapOvr>
+    <a:masterClrMapping/>
+  </p:clrMapOvr>
+</p:sld>
+</file>
+
+<file path=ppt/slides/slide32.xml><?xml version="1.0" encoding="utf-8"?>
+<p:sld xmlns:a="http://schemas.openxmlformats.org/drawingml/2006/main" xmlns:r="http://schemas.openxmlformats.org/officeDocument/2006/relationships" xmlns:p="http://schemas.openxmlformats.org/presentationml/2006/main">
+  <p:cSld>
+    <p:spTree>
+      <p:nvGrpSpPr>
+        <p:cNvPr id="1" name=""/>
+        <p:cNvGrpSpPr/>
+        <p:nvPr/>
+      </p:nvGrpSpPr>
+      <p:grpSpPr>
+        <a:xfrm>
+          <a:off x="0" y="0"/>
+          <a:ext cx="0" cy="0"/>
+          <a:chOff x="0" y="0"/>
+          <a:chExt cx="0" cy="0"/>
+        </a:xfrm>
+      </p:grpSpPr>
+      <p:sp>
+        <p:nvSpPr>
+          <p:cNvPr id="2" name="TextBox 1">
+            <a:extLst>
+              <a:ext uri="{FF2B5EF4-FFF2-40B4-BE49-F238E27FC236}">
+                <a16:creationId xmlns:a16="http://schemas.microsoft.com/office/drawing/2014/main" id="{B38A74AB-D385-6685-76A1-6AC1C667D865}"/>
+              </a:ext>
+            </a:extLst>
+          </p:cNvPr>
+          <p:cNvSpPr txBox="1"/>
+          <p:nvPr/>
+        </p:nvSpPr>
+        <p:spPr>
+          <a:xfrm>
+            <a:off x="1394669" y="1567984"/>
+            <a:ext cx="6094602" cy="646331"/>
+          </a:xfrm>
+          <a:prstGeom prst="rect">
+            <a:avLst/>
+          </a:prstGeom>
+          <a:noFill/>
+        </p:spPr>
+        <p:txBody>
+          <a:bodyPr wrap="square">
+            <a:spAutoFit/>
+          </a:bodyPr>
+          <a:lstStyle/>
+          <a:p>
+            <a:pPr lvl="1"/>
+            <a:br>
+              <a:rPr lang="en-IN" dirty="0"/>
+            </a:br>
+            <a:r>
+              <a:rPr lang="en-IN" dirty="0"/>
+              <a:t>        	</a:t>
+            </a:r>
+          </a:p>
+        </p:txBody>
+      </p:sp>
+      <p:sp>
+        <p:nvSpPr>
+          <p:cNvPr id="3" name="TextBox 2">
+            <a:extLst>
+              <a:ext uri="{FF2B5EF4-FFF2-40B4-BE49-F238E27FC236}">
+                <a16:creationId xmlns:a16="http://schemas.microsoft.com/office/drawing/2014/main" id="{D703A08B-5758-2C2B-1172-68C39488E62B}"/>
+              </a:ext>
+            </a:extLst>
+          </p:cNvPr>
+          <p:cNvSpPr txBox="1"/>
+          <p:nvPr/>
+        </p:nvSpPr>
+        <p:spPr>
+          <a:xfrm>
+            <a:off x="1122793" y="348734"/>
+            <a:ext cx="8639175" cy="369332"/>
+          </a:xfrm>
+          <a:prstGeom prst="rect">
+            <a:avLst/>
+          </a:prstGeom>
+          <a:noFill/>
+        </p:spPr>
+        <p:txBody>
+          <a:bodyPr wrap="square">
+            <a:spAutoFit/>
+          </a:bodyPr>
+          <a:lstStyle>
+            <a:defPPr>
+              <a:defRPr lang="en-US"/>
+            </a:defPPr>
+            <a:lvl1pPr>
+              <a:defRPr b="1"/>
+            </a:lvl1pPr>
+          </a:lstStyle>
+          <a:p>
+            <a:r>
+              <a:rPr lang="en-IN" dirty="0"/>
+              <a:t>Impersonation</a:t>
+            </a:r>
+          </a:p>
+        </p:txBody>
+      </p:sp>
+      <p:pic>
+        <p:nvPicPr>
+          <p:cNvPr id="4" name="Picture 3" descr="Text, logo&#10;&#10;Description automatically generated">
+            <a:extLst>
+              <a:ext uri="{FF2B5EF4-FFF2-40B4-BE49-F238E27FC236}">
+                <a16:creationId xmlns:a16="http://schemas.microsoft.com/office/drawing/2014/main" id="{870BC349-3DF4-7ABE-80A5-2417E912008E}"/>
+              </a:ext>
+            </a:extLst>
+          </p:cNvPr>
+          <p:cNvPicPr>
+            <a:picLocks noChangeAspect="1"/>
+          </p:cNvPicPr>
+          <p:nvPr/>
+        </p:nvPicPr>
+        <p:blipFill>
+          <a:blip r:embed="rId2">
+            <a:alphaModFix amt="5000"/>
+          </a:blip>
+          <a:stretch>
+            <a:fillRect/>
+          </a:stretch>
+        </p:blipFill>
+        <p:spPr>
+          <a:xfrm rot="20023087">
+            <a:off x="1269151" y="2040261"/>
+            <a:ext cx="10370342" cy="2125369"/>
+          </a:xfrm>
+          <a:prstGeom prst="rect">
+            <a:avLst/>
+          </a:prstGeom>
+          <a:ln>
+            <a:noFill/>
+          </a:ln>
+          <a:effectLst>
+            <a:softEdge rad="112500"/>
+          </a:effectLst>
+        </p:spPr>
+      </p:pic>
+    </p:spTree>
+    <p:extLst>
+      <p:ext uri="{BB962C8B-B14F-4D97-AF65-F5344CB8AC3E}">
+        <p14:creationId xmlns:p14="http://schemas.microsoft.com/office/powerpoint/2010/main" val="1498716509"/>
+      </p:ext>
+    </p:extLst>
+  </p:cSld>
+  <p:clrMapOvr>
+    <a:masterClrMapping/>
+  </p:clrMapOvr>
+</p:sld>
+</file>
+
+<file path=ppt/slides/slide33.xml><?xml version="1.0" encoding="utf-8"?>
+<p:sld xmlns:a="http://schemas.openxmlformats.org/drawingml/2006/main" xmlns:r="http://schemas.openxmlformats.org/officeDocument/2006/relationships" xmlns:p="http://schemas.openxmlformats.org/presentationml/2006/main">
+  <p:cSld>
+    <p:spTree>
+      <p:nvGrpSpPr>
+        <p:cNvPr id="1" name=""/>
+        <p:cNvGrpSpPr/>
+        <p:nvPr/>
+      </p:nvGrpSpPr>
+      <p:grpSpPr>
+        <a:xfrm>
+          <a:off x="0" y="0"/>
+          <a:ext cx="0" cy="0"/>
+          <a:chOff x="0" y="0"/>
+          <a:chExt cx="0" cy="0"/>
+        </a:xfrm>
+      </p:grpSpPr>
+      <p:sp>
+        <p:nvSpPr>
+          <p:cNvPr id="3" name="TextBox 2">
+            <a:extLst>
+              <a:ext uri="{FF2B5EF4-FFF2-40B4-BE49-F238E27FC236}">
+                <a16:creationId xmlns:a16="http://schemas.microsoft.com/office/drawing/2014/main" id="{D5603ABE-5085-BB28-7CEF-E4F578736C24}"/>
+              </a:ext>
+            </a:extLst>
+          </p:cNvPr>
+          <p:cNvSpPr txBox="1"/>
+          <p:nvPr/>
+        </p:nvSpPr>
+        <p:spPr>
+          <a:xfrm>
+            <a:off x="1240093" y="3114819"/>
+            <a:ext cx="6098458" cy="923330"/>
+          </a:xfrm>
+          <a:prstGeom prst="rect">
+            <a:avLst/>
+          </a:prstGeom>
+          <a:noFill/>
+        </p:spPr>
+        <p:txBody>
+          <a:bodyPr wrap="square">
+            <a:spAutoFit/>
+          </a:bodyPr>
+          <a:lstStyle/>
+          <a:p>
+            <a:r>
+              <a:rPr lang="en-US" dirty="0"/>
+              <a:t>https://arstechnica.com/information-technology/2022/06/hackers-out-to-steal-a-tesla-can-create-their-very-own-personal-key/</a:t>
+            </a:r>
+          </a:p>
+        </p:txBody>
+      </p:sp>
+      <p:sp>
+        <p:nvSpPr>
+          <p:cNvPr id="5" name="TextBox 4">
+            <a:extLst>
+              <a:ext uri="{FF2B5EF4-FFF2-40B4-BE49-F238E27FC236}">
+                <a16:creationId xmlns:a16="http://schemas.microsoft.com/office/drawing/2014/main" id="{01BB7732-93EE-CCA5-D944-23D02D961579}"/>
+              </a:ext>
+            </a:extLst>
+          </p:cNvPr>
+          <p:cNvSpPr txBox="1"/>
+          <p:nvPr/>
+        </p:nvSpPr>
+        <p:spPr>
+          <a:xfrm>
+            <a:off x="989371" y="745245"/>
+            <a:ext cx="6098458" cy="523220"/>
+          </a:xfrm>
+          <a:prstGeom prst="rect">
+            <a:avLst/>
+          </a:prstGeom>
+          <a:noFill/>
+        </p:spPr>
+        <p:txBody>
+          <a:bodyPr wrap="square">
+            <a:spAutoFit/>
+          </a:bodyPr>
+          <a:lstStyle/>
+          <a:p>
+            <a:r>
+              <a:rPr lang="en-US" sz="2800" b="1" dirty="0"/>
+              <a:t>Tesla hacked !!!!!!!!</a:t>
+            </a:r>
+          </a:p>
+        </p:txBody>
+      </p:sp>
+      <p:sp>
+        <p:nvSpPr>
+          <p:cNvPr id="6" name="TextBox 5">
+            <a:extLst>
+              <a:ext uri="{FF2B5EF4-FFF2-40B4-BE49-F238E27FC236}">
+                <a16:creationId xmlns:a16="http://schemas.microsoft.com/office/drawing/2014/main" id="{3CFF101E-ABE4-8E88-6B6D-409762A05AEE}"/>
+              </a:ext>
+            </a:extLst>
+          </p:cNvPr>
+          <p:cNvSpPr txBox="1"/>
+          <p:nvPr/>
+        </p:nvSpPr>
+        <p:spPr>
+          <a:xfrm>
+            <a:off x="1240093" y="1656235"/>
+            <a:ext cx="6098458" cy="923330"/>
+          </a:xfrm>
+          <a:prstGeom prst="rect">
+            <a:avLst/>
+          </a:prstGeom>
+          <a:noFill/>
+        </p:spPr>
+        <p:txBody>
+          <a:bodyPr wrap="square">
+            <a:spAutoFit/>
+          </a:bodyPr>
+          <a:lstStyle/>
+          <a:p>
+            <a:r>
+              <a:rPr lang="en-US" dirty="0"/>
+              <a:t>https://www.indiatimes.com/technology/news/tesla-cars-may-be-unlocked-and-hacked-using-bluetooth-devices-researchers-find-569861.html</a:t>
+            </a:r>
+          </a:p>
+        </p:txBody>
+      </p:sp>
+    </p:spTree>
+    <p:extLst>
+      <p:ext uri="{BB962C8B-B14F-4D97-AF65-F5344CB8AC3E}">
+        <p14:creationId xmlns:p14="http://schemas.microsoft.com/office/powerpoint/2010/main" val="666554713"/>
+      </p:ext>
+    </p:extLst>
+  </p:cSld>
+  <p:clrMapOvr>
+    <a:masterClrMapping/>
+  </p:clrMapOvr>
+</p:sld>
+</file>
+
+<file path=ppt/slides/slide34.xml><?xml version="1.0" encoding="utf-8"?>
+<p:sld xmlns:a="http://schemas.openxmlformats.org/drawingml/2006/main" xmlns:r="http://schemas.openxmlformats.org/officeDocument/2006/relationships" xmlns:p="http://schemas.openxmlformats.org/presentationml/2006/main">
+  <p:cSld>
+    <p:spTree>
+      <p:nvGrpSpPr>
+        <p:cNvPr id="1" name=""/>
+        <p:cNvGrpSpPr/>
+        <p:nvPr/>
+      </p:nvGrpSpPr>
+      <p:grpSpPr>
+        <a:xfrm>
+          <a:off x="0" y="0"/>
+          <a:ext cx="0" cy="0"/>
+          <a:chOff x="0" y="0"/>
+          <a:chExt cx="0" cy="0"/>
+        </a:xfrm>
+      </p:grpSpPr>
+      <p:sp>
+        <p:nvSpPr>
           <p:cNvPr id="3" name="TextBox 2">
             <a:extLst>
               <a:ext uri="{FF2B5EF4-FFF2-40B4-BE49-F238E27FC236}">
@@ -12780,6 +13761,42 @@
           </a:effectLst>
         </p:spPr>
       </p:pic>
+      <p:sp>
+        <p:nvSpPr>
+          <p:cNvPr id="4" name="TextBox 3">
+            <a:extLst>
+              <a:ext uri="{FF2B5EF4-FFF2-40B4-BE49-F238E27FC236}">
+                <a16:creationId xmlns:a16="http://schemas.microsoft.com/office/drawing/2014/main" id="{BC9256B3-5FA2-9127-D250-B522E59944D0}"/>
+              </a:ext>
+            </a:extLst>
+          </p:cNvPr>
+          <p:cNvSpPr txBox="1"/>
+          <p:nvPr/>
+        </p:nvSpPr>
+        <p:spPr>
+          <a:xfrm>
+            <a:off x="1334616" y="1898468"/>
+            <a:ext cx="6094602" cy="369332"/>
+          </a:xfrm>
+          <a:prstGeom prst="rect">
+            <a:avLst/>
+          </a:prstGeom>
+          <a:noFill/>
+        </p:spPr>
+        <p:txBody>
+          <a:bodyPr wrap="square">
+            <a:spAutoFit/>
+          </a:bodyPr>
+          <a:lstStyle/>
+          <a:p>
+            <a:pPr lvl="1"/>
+            <a:r>
+              <a:rPr lang="en-IN" dirty="0"/>
+              <a:t>OTA update </a:t>
+            </a:r>
+          </a:p>
+        </p:txBody>
+      </p:sp>
     </p:spTree>
     <p:extLst>
       <p:ext uri="{BB962C8B-B14F-4D97-AF65-F5344CB8AC3E}">
@@ -12793,7 +13810,7 @@
 </p:sld>
 </file>
 
-<file path=ppt/slides/slide32.xml><?xml version="1.0" encoding="utf-8"?>
+<file path=ppt/slides/slide35.xml><?xml version="1.0" encoding="utf-8"?>
 <p:sld xmlns:a="http://schemas.openxmlformats.org/drawingml/2006/main" xmlns:r="http://schemas.openxmlformats.org/officeDocument/2006/relationships" xmlns:p="http://schemas.openxmlformats.org/presentationml/2006/main">
   <p:cSld>
     <p:spTree>
@@ -12955,6 +13972,36 @@
     <p:extLst>
       <p:ext uri="{BB962C8B-B14F-4D97-AF65-F5344CB8AC3E}">
         <p14:creationId xmlns:p14="http://schemas.microsoft.com/office/powerpoint/2010/main" val="2221815292"/>
+      </p:ext>
+    </p:extLst>
+  </p:cSld>
+  <p:clrMapOvr>
+    <a:masterClrMapping/>
+  </p:clrMapOvr>
+</p:sld>
+</file>
+
+<file path=ppt/slides/slide36.xml><?xml version="1.0" encoding="utf-8"?>
+<p:sld xmlns:a="http://schemas.openxmlformats.org/drawingml/2006/main" xmlns:r="http://schemas.openxmlformats.org/officeDocument/2006/relationships" xmlns:p="http://schemas.openxmlformats.org/presentationml/2006/main">
+  <p:cSld>
+    <p:spTree>
+      <p:nvGrpSpPr>
+        <p:cNvPr id="1" name=""/>
+        <p:cNvGrpSpPr/>
+        <p:nvPr/>
+      </p:nvGrpSpPr>
+      <p:grpSpPr>
+        <a:xfrm>
+          <a:off x="0" y="0"/>
+          <a:ext cx="0" cy="0"/>
+          <a:chOff x="0" y="0"/>
+          <a:chExt cx="0" cy="0"/>
+        </a:xfrm>
+      </p:grpSpPr>
+    </p:spTree>
+    <p:extLst>
+      <p:ext uri="{BB962C8B-B14F-4D97-AF65-F5344CB8AC3E}">
+        <p14:creationId xmlns:p14="http://schemas.microsoft.com/office/powerpoint/2010/main" val="967192061"/>
       </p:ext>
     </p:extLst>
   </p:cSld>
@@ -18283,7 +19330,7 @@
 <file path=ppt/theme/theme1.xml><?xml version="1.0" encoding="utf-8"?>
 <a:theme xmlns:a="http://schemas.openxmlformats.org/drawingml/2006/main" name="Madison">
   <a:themeElements>
-    <a:clrScheme name="Blue II">
+    <a:clrScheme name="Aspect">
       <a:dk1>
         <a:sysClr val="windowText" lastClr="000000"/>
       </a:dk1>
@@ -18291,31 +19338,31 @@
         <a:sysClr val="window" lastClr="FFFFFF"/>
       </a:lt1>
       <a:dk2>
-        <a:srgbClr val="335B74"/>
+        <a:srgbClr val="323232"/>
       </a:dk2>
       <a:lt2>
-        <a:srgbClr val="DFE3E5"/>
+        <a:srgbClr val="E3DED1"/>
       </a:lt2>
       <a:accent1>
-        <a:srgbClr val="1CADE4"/>
+        <a:srgbClr val="F07F09"/>
       </a:accent1>
       <a:accent2>
-        <a:srgbClr val="2683C6"/>
+        <a:srgbClr val="9F2936"/>
       </a:accent2>
       <a:accent3>
-        <a:srgbClr val="27CED7"/>
+        <a:srgbClr val="1B587C"/>
       </a:accent3>
       <a:accent4>
-        <a:srgbClr val="42BA97"/>
+        <a:srgbClr val="4E8542"/>
       </a:accent4>
       <a:accent5>
-        <a:srgbClr val="3E8853"/>
+        <a:srgbClr val="604878"/>
       </a:accent5>
       <a:accent6>
-        <a:srgbClr val="62A39F"/>
+        <a:srgbClr val="C19859"/>
       </a:accent6>
       <a:hlink>
-        <a:srgbClr val="6EAC1C"/>
+        <a:srgbClr val="6B9F25"/>
       </a:hlink>
       <a:folHlink>
         <a:srgbClr val="B26B02"/>
